--- a/そうたん.pptx
+++ b/そうたん.pptx
@@ -5,7 +5,7 @@
     <p:sldMasterId id="2147483648" r:id="rId1"/>
   </p:sldMasterIdLst>
   <p:notesMasterIdLst>
-    <p:notesMasterId r:id="rId21"/>
+    <p:notesMasterId r:id="rId19"/>
   </p:notesMasterIdLst>
   <p:sldIdLst>
     <p:sldId id="256" r:id="rId2"/>
@@ -25,8 +25,6 @@
     <p:sldId id="272" r:id="rId16"/>
     <p:sldId id="296" r:id="rId17"/>
     <p:sldId id="295" r:id="rId18"/>
-    <p:sldId id="273" r:id="rId19"/>
-    <p:sldId id="262" r:id="rId20"/>
   </p:sldIdLst>
   <p:sldSz cx="12192000" cy="6858000"/>
   <p:notesSz cx="6858000" cy="9144000"/>
@@ -6470,112 +6468,91 @@
           </a:p>
         </p:txBody>
       </p:sp>
-      <p:grpSp>
-        <p:nvGrpSpPr>
-          <p:cNvPr id="9" name="グループ化 8">
+      <p:pic>
+        <p:nvPicPr>
+          <p:cNvPr id="3" name="図 2">
             <a:extLst>
               <a:ext uri="{FF2B5EF4-FFF2-40B4-BE49-F238E27FC236}">
-                <a16:creationId xmlns:a16="http://schemas.microsoft.com/office/drawing/2014/main" id="{0EB1D950-5557-2076-DB10-B7F1B240B320}"/>
+                <a16:creationId xmlns:a16="http://schemas.microsoft.com/office/drawing/2014/main" id="{574B3E83-E6C5-9B07-7763-49ECEA90316D}"/>
               </a:ext>
             </a:extLst>
           </p:cNvPr>
-          <p:cNvGrpSpPr/>
+          <p:cNvPicPr>
+            <a:picLocks noChangeAspect="1"/>
+          </p:cNvPicPr>
           <p:nvPr/>
-        </p:nvGrpSpPr>
-        <p:grpSpPr>
+        </p:nvPicPr>
+        <p:blipFill>
+          <a:blip r:embed="rId2">
+            <a:extLst>
+              <a:ext uri="{28A0092B-C50C-407E-A947-70E740481C1C}">
+                <a14:useLocalDpi xmlns:a14="http://schemas.microsoft.com/office/drawing/2010/main" val="0"/>
+              </a:ext>
+            </a:extLst>
+          </a:blip>
+          <a:stretch>
+            <a:fillRect/>
+          </a:stretch>
+        </p:blipFill>
+        <p:spPr>
+          <a:xfrm rot="5400000">
+            <a:off x="4091527" y="1025363"/>
+            <a:ext cx="4008946" cy="5670364"/>
+          </a:xfrm>
+          <a:prstGeom prst="rect">
+            <a:avLst/>
+          </a:prstGeom>
+          <a:effectLst>
+            <a:outerShdw blurRad="304800" dist="152400" dir="2700000" algn="tl" rotWithShape="0">
+              <a:prstClr val="black">
+                <a:alpha val="10000"/>
+              </a:prstClr>
+            </a:outerShdw>
+          </a:effectLst>
+        </p:spPr>
+      </p:pic>
+      <p:sp>
+        <p:nvSpPr>
+          <p:cNvPr id="7" name="テキスト ボックス 6">
+            <a:extLst>
+              <a:ext uri="{FF2B5EF4-FFF2-40B4-BE49-F238E27FC236}">
+                <a16:creationId xmlns:a16="http://schemas.microsoft.com/office/drawing/2014/main" id="{5CFB5F63-62E0-C820-B0D7-4D065417B02C}"/>
+              </a:ext>
+            </a:extLst>
+          </p:cNvPr>
+          <p:cNvSpPr txBox="1"/>
+          <p:nvPr/>
+        </p:nvSpPr>
+        <p:spPr>
           <a:xfrm>
-            <a:off x="7828049" y="1847597"/>
-            <a:ext cx="3361571" cy="4584063"/>
-            <a:chOff x="7828049" y="1945568"/>
-            <a:chExt cx="3361571" cy="4584063"/>
+            <a:off x="4415213" y="6062328"/>
+            <a:ext cx="3361571" cy="369332"/>
           </a:xfrm>
-        </p:grpSpPr>
-        <p:pic>
-          <p:nvPicPr>
-            <p:cNvPr id="3" name="図 2">
-              <a:extLst>
-                <a:ext uri="{FF2B5EF4-FFF2-40B4-BE49-F238E27FC236}">
-                  <a16:creationId xmlns:a16="http://schemas.microsoft.com/office/drawing/2014/main" id="{574B3E83-E6C5-9B07-7763-49ECEA90316D}"/>
-                </a:ext>
-              </a:extLst>
-            </p:cNvPr>
-            <p:cNvPicPr>
-              <a:picLocks noChangeAspect="1"/>
-            </p:cNvPicPr>
-            <p:nvPr/>
-          </p:nvPicPr>
-          <p:blipFill>
-            <a:blip r:embed="rId2">
-              <a:extLst>
-                <a:ext uri="{28A0092B-C50C-407E-A947-70E740481C1C}">
-                  <a14:useLocalDpi xmlns:a14="http://schemas.microsoft.com/office/drawing/2010/main" val="0"/>
-                </a:ext>
-              </a:extLst>
-            </a:blip>
-            <a:stretch>
-              <a:fillRect/>
-            </a:stretch>
-          </p:blipFill>
-          <p:spPr>
-            <a:xfrm>
-              <a:off x="8085681" y="1945568"/>
-              <a:ext cx="2846309" cy="4025897"/>
-            </a:xfrm>
-            <a:prstGeom prst="rect">
-              <a:avLst/>
-            </a:prstGeom>
-            <a:effectLst>
-              <a:outerShdw blurRad="304800" dist="152400" dir="2700000" algn="tl" rotWithShape="0">
-                <a:prstClr val="black">
-                  <a:alpha val="10000"/>
-                </a:prstClr>
-              </a:outerShdw>
-            </a:effectLst>
-          </p:spPr>
-        </p:pic>
-        <p:sp>
-          <p:nvSpPr>
-            <p:cNvPr id="7" name="テキスト ボックス 6">
-              <a:extLst>
-                <a:ext uri="{FF2B5EF4-FFF2-40B4-BE49-F238E27FC236}">
-                  <a16:creationId xmlns:a16="http://schemas.microsoft.com/office/drawing/2014/main" id="{5CFB5F63-62E0-C820-B0D7-4D065417B02C}"/>
-                </a:ext>
-              </a:extLst>
-            </p:cNvPr>
-            <p:cNvSpPr txBox="1"/>
-            <p:nvPr/>
-          </p:nvSpPr>
-          <p:spPr>
-            <a:xfrm>
-              <a:off x="7828049" y="6160299"/>
-              <a:ext cx="3361571" cy="369332"/>
-            </a:xfrm>
-            <a:prstGeom prst="rect">
-              <a:avLst/>
-            </a:prstGeom>
-            <a:noFill/>
-          </p:spPr>
-          <p:txBody>
-            <a:bodyPr wrap="square" rtlCol="0">
-              <a:spAutoFit/>
-            </a:bodyPr>
-            <a:lstStyle/>
-            <a:p>
-              <a:pPr algn="ctr"/>
-              <a:r>
-                <a:rPr kumimoji="1" lang="ja-JP" altLang="en-US" dirty="0">
-                  <a:solidFill>
-                    <a:srgbClr val="202028"/>
-                  </a:solidFill>
-                  <a:latin typeface="游ゴシック Medium" panose="020B0500000000000000" pitchFamily="50" charset="-128"/>
-                  <a:ea typeface="游ゴシック Medium" panose="020B0500000000000000" pitchFamily="50" charset="-128"/>
-                </a:rPr>
-                <a:t>使用した色のデータ</a:t>
-              </a:r>
-            </a:p>
-          </p:txBody>
-        </p:sp>
-      </p:grpSp>
+          <a:prstGeom prst="rect">
+            <a:avLst/>
+          </a:prstGeom>
+          <a:noFill/>
+        </p:spPr>
+        <p:txBody>
+          <a:bodyPr wrap="square" rtlCol="0">
+            <a:spAutoFit/>
+          </a:bodyPr>
+          <a:lstStyle/>
+          <a:p>
+            <a:pPr algn="ctr"/>
+            <a:r>
+              <a:rPr kumimoji="1" lang="ja-JP" altLang="en-US" dirty="0">
+                <a:solidFill>
+                  <a:srgbClr val="202028"/>
+                </a:solidFill>
+                <a:latin typeface="游ゴシック Medium" panose="020B0500000000000000" pitchFamily="50" charset="-128"/>
+                <a:ea typeface="游ゴシック Medium" panose="020B0500000000000000" pitchFamily="50" charset="-128"/>
+              </a:rPr>
+              <a:t>使用した色のデータ</a:t>
+            </a:r>
+          </a:p>
+        </p:txBody>
+      </p:sp>
     </p:spTree>
     <p:extLst>
       <p:ext uri="{BB962C8B-B14F-4D97-AF65-F5344CB8AC3E}">
@@ -7367,77 +7344,6 @@
       </p:grpSpPr>
       <p:sp>
         <p:nvSpPr>
-          <p:cNvPr id="19" name="テキスト ボックス 18">
-            <a:extLst>
-              <a:ext uri="{FF2B5EF4-FFF2-40B4-BE49-F238E27FC236}">
-                <a16:creationId xmlns:a16="http://schemas.microsoft.com/office/drawing/2014/main" id="{78A6263B-F93A-EDE5-F9BC-9B5089CBE584}"/>
-              </a:ext>
-            </a:extLst>
-          </p:cNvPr>
-          <p:cNvSpPr txBox="1"/>
-          <p:nvPr/>
-        </p:nvSpPr>
-        <p:spPr>
-          <a:xfrm>
-            <a:off x="773633" y="1104183"/>
-            <a:ext cx="10949107" cy="467885"/>
-          </a:xfrm>
-          <a:prstGeom prst="rect">
-            <a:avLst/>
-          </a:prstGeom>
-          <a:noFill/>
-        </p:spPr>
-        <p:txBody>
-          <a:bodyPr wrap="square" rtlCol="0" anchor="t">
-            <a:spAutoFit/>
-          </a:bodyPr>
-          <a:lstStyle/>
-          <a:p>
-            <a:pPr marL="0" marR="0" lvl="0" indent="0" algn="l" defTabSz="914400" rtl="0" eaLnBrk="1" fontAlgn="auto" latinLnBrk="0" hangingPunct="1">
-              <a:lnSpc>
-                <a:spcPct val="150000"/>
-              </a:lnSpc>
-              <a:spcBef>
-                <a:spcPts val="0"/>
-              </a:spcBef>
-              <a:spcAft>
-                <a:spcPts val="0"/>
-              </a:spcAft>
-              <a:buClrTx/>
-              <a:buSzTx/>
-              <a:buFontTx/>
-              <a:buNone/>
-              <a:tabLst/>
-              <a:defRPr/>
-            </a:pPr>
-            <a:r>
-              <a:rPr kumimoji="1" lang="ja-JP" altLang="en-US" sz="1800" i="0" u="none" strike="noStrike" kern="1200" cap="none" spc="0" normalizeH="0" baseline="0" noProof="0" dirty="0">
-                <a:ln>
-                  <a:noFill/>
-                </a:ln>
-                <a:solidFill>
-                  <a:srgbClr val="202028"/>
-                </a:solidFill>
-                <a:effectLst/>
-                <a:uLnTx/>
-                <a:uFillTx/>
-                <a:latin typeface="游ゴシック Medium" panose="020B0500000000000000" pitchFamily="50" charset="-128"/>
-                <a:ea typeface="游ゴシック Medium" panose="020B0500000000000000" pitchFamily="50" charset="-128"/>
-              </a:rPr>
-              <a:t>紙</a:t>
-            </a:r>
-            <a:endParaRPr lang="en-US" altLang="ja-JP" dirty="0">
-              <a:solidFill>
-                <a:srgbClr val="202028"/>
-              </a:solidFill>
-              <a:latin typeface="游ゴシック Medium" panose="020B0500000000000000" pitchFamily="50" charset="-128"/>
-              <a:ea typeface="游ゴシック Medium" panose="020B0500000000000000" pitchFamily="50" charset="-128"/>
-            </a:endParaRPr>
-          </a:p>
-        </p:txBody>
-      </p:sp>
-      <p:sp>
-        <p:nvSpPr>
           <p:cNvPr id="20" name="テキスト ボックス 19">
             <a:extLst>
               <a:ext uri="{FF2B5EF4-FFF2-40B4-BE49-F238E27FC236}">
@@ -7480,607 +7386,576 @@
           </a:p>
         </p:txBody>
       </p:sp>
-      <p:sp>
-        <p:nvSpPr>
-          <p:cNvPr id="3" name="正方形/長方形 2">
+      <p:grpSp>
+        <p:nvGrpSpPr>
+          <p:cNvPr id="25" name="グループ化 24">
             <a:extLst>
               <a:ext uri="{FF2B5EF4-FFF2-40B4-BE49-F238E27FC236}">
-                <a16:creationId xmlns:a16="http://schemas.microsoft.com/office/drawing/2014/main" id="{1807F58D-8CD9-3718-D48D-8F3B720EF980}"/>
+                <a16:creationId xmlns:a16="http://schemas.microsoft.com/office/drawing/2014/main" id="{1C8B9639-3F30-3191-B759-3E59B007C27D}"/>
               </a:ext>
             </a:extLst>
           </p:cNvPr>
-          <p:cNvSpPr/>
+          <p:cNvGrpSpPr/>
+          <p:nvPr/>
+        </p:nvGrpSpPr>
+        <p:grpSpPr>
+          <a:xfrm>
+            <a:off x="1232397" y="1228236"/>
+            <a:ext cx="9740404" cy="4401528"/>
+            <a:chOff x="773633" y="1104183"/>
+            <a:chExt cx="10657931" cy="4897740"/>
+          </a:xfrm>
+        </p:grpSpPr>
+        <p:sp>
+          <p:nvSpPr>
+            <p:cNvPr id="3" name="正方形/長方形 2">
+              <a:extLst>
+                <a:ext uri="{FF2B5EF4-FFF2-40B4-BE49-F238E27FC236}">
+                  <a16:creationId xmlns:a16="http://schemas.microsoft.com/office/drawing/2014/main" id="{1807F58D-8CD9-3718-D48D-8F3B720EF980}"/>
+                </a:ext>
+              </a:extLst>
+            </p:cNvPr>
+            <p:cNvSpPr/>
+            <p:nvPr/>
+          </p:nvSpPr>
+          <p:spPr>
+            <a:xfrm>
+              <a:off x="773633" y="1104184"/>
+              <a:ext cx="1679884" cy="467885"/>
+            </a:xfrm>
+            <a:prstGeom prst="rect">
+              <a:avLst/>
+            </a:prstGeom>
+            <a:solidFill>
+              <a:schemeClr val="bg2"/>
+            </a:solidFill>
+            <a:ln>
+              <a:noFill/>
+            </a:ln>
+          </p:spPr>
+          <p:style>
+            <a:lnRef idx="2">
+              <a:schemeClr val="accent1">
+                <a:shade val="15000"/>
+              </a:schemeClr>
+            </a:lnRef>
+            <a:fillRef idx="1">
+              <a:schemeClr val="accent1"/>
+            </a:fillRef>
+            <a:effectRef idx="0">
+              <a:schemeClr val="accent1"/>
+            </a:effectRef>
+            <a:fontRef idx="minor">
+              <a:schemeClr val="lt1"/>
+            </a:fontRef>
+          </p:style>
+          <p:txBody>
+            <a:bodyPr wrap="square" rtlCol="0" anchor="ctr">
+              <a:noAutofit/>
+            </a:bodyPr>
+            <a:lstStyle/>
+            <a:p>
+              <a:pPr algn="ctr"/>
+              <a:endParaRPr kumimoji="1" lang="ja-JP" altLang="en-US" dirty="0">
+                <a:solidFill>
+                  <a:srgbClr val="202028"/>
+                </a:solidFill>
+              </a:endParaRPr>
+            </a:p>
+          </p:txBody>
+        </p:sp>
+        <p:sp>
+          <p:nvSpPr>
+            <p:cNvPr id="5" name="正方形/長方形 4">
+              <a:extLst>
+                <a:ext uri="{FF2B5EF4-FFF2-40B4-BE49-F238E27FC236}">
+                  <a16:creationId xmlns:a16="http://schemas.microsoft.com/office/drawing/2014/main" id="{DC9A7713-309B-820C-5738-D9F682A3A154}"/>
+                </a:ext>
+              </a:extLst>
+            </p:cNvPr>
+            <p:cNvSpPr/>
+            <p:nvPr/>
+          </p:nvSpPr>
+          <p:spPr>
+            <a:xfrm>
+              <a:off x="2534325" y="1104183"/>
+              <a:ext cx="4401617" cy="467885"/>
+            </a:xfrm>
+            <a:prstGeom prst="rect">
+              <a:avLst/>
+            </a:prstGeom>
+            <a:solidFill>
+              <a:schemeClr val="bg2"/>
+            </a:solidFill>
+            <a:ln>
+              <a:noFill/>
+            </a:ln>
+          </p:spPr>
+          <p:style>
+            <a:lnRef idx="2">
+              <a:schemeClr val="accent1">
+                <a:shade val="15000"/>
+              </a:schemeClr>
+            </a:lnRef>
+            <a:fillRef idx="1">
+              <a:schemeClr val="accent1"/>
+            </a:fillRef>
+            <a:effectRef idx="0">
+              <a:schemeClr val="accent1"/>
+            </a:effectRef>
+            <a:fontRef idx="minor">
+              <a:schemeClr val="lt1"/>
+            </a:fontRef>
+          </p:style>
+          <p:txBody>
+            <a:bodyPr wrap="square" rtlCol="0" anchor="ctr">
+              <a:noAutofit/>
+            </a:bodyPr>
+            <a:lstStyle/>
+            <a:p>
+              <a:pPr algn="ctr"/>
+              <a:r>
+                <a:rPr lang="ja-JP" altLang="en-US" dirty="0">
+                  <a:solidFill>
+                    <a:srgbClr val="202028"/>
+                  </a:solidFill>
+                </a:rPr>
+                <a:t>明るい環境</a:t>
+              </a:r>
+              <a:endParaRPr kumimoji="1" lang="ja-JP" altLang="en-US" dirty="0">
+                <a:solidFill>
+                  <a:srgbClr val="202028"/>
+                </a:solidFill>
+              </a:endParaRPr>
+            </a:p>
+          </p:txBody>
+        </p:sp>
+        <p:sp>
+          <p:nvSpPr>
+            <p:cNvPr id="6" name="正方形/長方形 5">
+              <a:extLst>
+                <a:ext uri="{FF2B5EF4-FFF2-40B4-BE49-F238E27FC236}">
+                  <a16:creationId xmlns:a16="http://schemas.microsoft.com/office/drawing/2014/main" id="{DD5C34F8-EEE9-F2D7-F795-6E2ED3957CDF}"/>
+                </a:ext>
+              </a:extLst>
+            </p:cNvPr>
+            <p:cNvSpPr/>
+            <p:nvPr/>
+          </p:nvSpPr>
+          <p:spPr>
+            <a:xfrm>
+              <a:off x="7016750" y="1104183"/>
+              <a:ext cx="4401617" cy="467885"/>
+            </a:xfrm>
+            <a:prstGeom prst="rect">
+              <a:avLst/>
+            </a:prstGeom>
+            <a:solidFill>
+              <a:schemeClr val="bg2"/>
+            </a:solidFill>
+            <a:ln>
+              <a:noFill/>
+            </a:ln>
+          </p:spPr>
+          <p:style>
+            <a:lnRef idx="2">
+              <a:schemeClr val="accent1">
+                <a:shade val="15000"/>
+              </a:schemeClr>
+            </a:lnRef>
+            <a:fillRef idx="1">
+              <a:schemeClr val="accent1"/>
+            </a:fillRef>
+            <a:effectRef idx="0">
+              <a:schemeClr val="accent1"/>
+            </a:effectRef>
+            <a:fontRef idx="minor">
+              <a:schemeClr val="lt1"/>
+            </a:fontRef>
+          </p:style>
+          <p:txBody>
+            <a:bodyPr wrap="square" rtlCol="0" anchor="ctr">
+              <a:noAutofit/>
+            </a:bodyPr>
+            <a:lstStyle/>
+            <a:p>
+              <a:pPr algn="ctr"/>
+              <a:r>
+                <a:rPr kumimoji="1" lang="ja-JP" altLang="en-US" dirty="0">
+                  <a:solidFill>
+                    <a:srgbClr val="202028"/>
+                  </a:solidFill>
+                </a:rPr>
+                <a:t>暗い環境</a:t>
+              </a:r>
+            </a:p>
+          </p:txBody>
+        </p:sp>
+        <p:sp>
+          <p:nvSpPr>
+            <p:cNvPr id="10" name="正方形/長方形 9">
+              <a:extLst>
+                <a:ext uri="{FF2B5EF4-FFF2-40B4-BE49-F238E27FC236}">
+                  <a16:creationId xmlns:a16="http://schemas.microsoft.com/office/drawing/2014/main" id="{9E705F41-1EFF-0C7F-D52E-3B70B243BCA7}"/>
+                </a:ext>
+              </a:extLst>
+            </p:cNvPr>
+            <p:cNvSpPr/>
+            <p:nvPr/>
+          </p:nvSpPr>
+          <p:spPr>
+            <a:xfrm>
+              <a:off x="773633" y="1647743"/>
+              <a:ext cx="1679884" cy="2139254"/>
+            </a:xfrm>
+            <a:prstGeom prst="rect">
+              <a:avLst/>
+            </a:prstGeom>
+            <a:solidFill>
+              <a:schemeClr val="bg2"/>
+            </a:solidFill>
+            <a:ln>
+              <a:noFill/>
+            </a:ln>
+          </p:spPr>
+          <p:style>
+            <a:lnRef idx="2">
+              <a:schemeClr val="accent1">
+                <a:shade val="15000"/>
+              </a:schemeClr>
+            </a:lnRef>
+            <a:fillRef idx="1">
+              <a:schemeClr val="accent1"/>
+            </a:fillRef>
+            <a:effectRef idx="0">
+              <a:schemeClr val="accent1"/>
+            </a:effectRef>
+            <a:fontRef idx="minor">
+              <a:schemeClr val="lt1"/>
+            </a:fontRef>
+          </p:style>
+          <p:txBody>
+            <a:bodyPr wrap="square" rtlCol="0" anchor="ctr">
+              <a:noAutofit/>
+            </a:bodyPr>
+            <a:lstStyle/>
+            <a:p>
+              <a:pPr algn="ctr"/>
+              <a:r>
+                <a:rPr kumimoji="1" lang="ja-JP" altLang="en-US" dirty="0">
+                  <a:solidFill>
+                    <a:srgbClr val="202028"/>
+                  </a:solidFill>
+                </a:rPr>
+                <a:t>紙媒体</a:t>
+              </a:r>
+            </a:p>
+          </p:txBody>
+        </p:sp>
+        <p:sp>
+          <p:nvSpPr>
+            <p:cNvPr id="12" name="正方形/長方形 11">
+              <a:extLst>
+                <a:ext uri="{FF2B5EF4-FFF2-40B4-BE49-F238E27FC236}">
+                  <a16:creationId xmlns:a16="http://schemas.microsoft.com/office/drawing/2014/main" id="{8F41C2D6-1912-8F40-B964-092C5E60E73E}"/>
+                </a:ext>
+              </a:extLst>
+            </p:cNvPr>
+            <p:cNvSpPr/>
+            <p:nvPr/>
+          </p:nvSpPr>
+          <p:spPr>
+            <a:xfrm>
+              <a:off x="773633" y="3862670"/>
+              <a:ext cx="1679884" cy="2139253"/>
+            </a:xfrm>
+            <a:prstGeom prst="rect">
+              <a:avLst/>
+            </a:prstGeom>
+            <a:solidFill>
+              <a:schemeClr val="bg2"/>
+            </a:solidFill>
+            <a:ln>
+              <a:noFill/>
+            </a:ln>
+          </p:spPr>
+          <p:style>
+            <a:lnRef idx="2">
+              <a:schemeClr val="accent1">
+                <a:shade val="15000"/>
+              </a:schemeClr>
+            </a:lnRef>
+            <a:fillRef idx="1">
+              <a:schemeClr val="accent1"/>
+            </a:fillRef>
+            <a:effectRef idx="0">
+              <a:schemeClr val="accent1"/>
+            </a:effectRef>
+            <a:fontRef idx="minor">
+              <a:schemeClr val="lt1"/>
+            </a:fontRef>
+          </p:style>
+          <p:txBody>
+            <a:bodyPr wrap="square" rtlCol="0" anchor="ctr">
+              <a:noAutofit/>
+            </a:bodyPr>
+            <a:lstStyle/>
+            <a:p>
+              <a:pPr algn="ctr"/>
+              <a:r>
+                <a:rPr kumimoji="1" lang="en-US" altLang="ja-JP" dirty="0">
+                  <a:solidFill>
+                    <a:srgbClr val="202028"/>
+                  </a:solidFill>
+                </a:rPr>
+                <a:t>Web</a:t>
+              </a:r>
+              <a:r>
+                <a:rPr kumimoji="1" lang="ja-JP" altLang="en-US" dirty="0">
+                  <a:solidFill>
+                    <a:srgbClr val="202028"/>
+                  </a:solidFill>
+                </a:rPr>
+                <a:t>サイト</a:t>
+              </a:r>
+            </a:p>
+          </p:txBody>
+        </p:sp>
+        <p:pic>
+          <p:nvPicPr>
+            <p:cNvPr id="17" name="図 16">
+              <a:extLst>
+                <a:ext uri="{FF2B5EF4-FFF2-40B4-BE49-F238E27FC236}">
+                  <a16:creationId xmlns:a16="http://schemas.microsoft.com/office/drawing/2014/main" id="{38DCB6E4-C33E-F14F-A9CC-1B24A8E2CDFE}"/>
+                </a:ext>
+              </a:extLst>
+            </p:cNvPr>
+            <p:cNvPicPr>
+              <a:picLocks noChangeAspect="1"/>
+            </p:cNvPicPr>
+            <p:nvPr/>
+          </p:nvPicPr>
+          <p:blipFill>
+            <a:blip r:embed="rId2">
+              <a:extLst>
+                <a:ext uri="{28A0092B-C50C-407E-A947-70E740481C1C}">
+                  <a14:useLocalDpi xmlns:a14="http://schemas.microsoft.com/office/drawing/2010/main" val="0"/>
+                </a:ext>
+              </a:extLst>
+            </a:blip>
+            <a:srcRect t="16465" b="18733"/>
+            <a:stretch/>
+          </p:blipFill>
+          <p:spPr>
+            <a:xfrm>
+              <a:off x="2534324" y="1647740"/>
+              <a:ext cx="4401617" cy="2139253"/>
+            </a:xfrm>
+            <a:prstGeom prst="rect">
+              <a:avLst/>
+            </a:prstGeom>
+          </p:spPr>
+        </p:pic>
+        <p:pic>
+          <p:nvPicPr>
+            <p:cNvPr id="4" name="図 3">
+              <a:extLst>
+                <a:ext uri="{FF2B5EF4-FFF2-40B4-BE49-F238E27FC236}">
+                  <a16:creationId xmlns:a16="http://schemas.microsoft.com/office/drawing/2014/main" id="{1FB6CB84-3FE7-B999-4DA7-FAA230FEBA1F}"/>
+                </a:ext>
+              </a:extLst>
+            </p:cNvPr>
+            <p:cNvPicPr>
+              <a:picLocks noChangeAspect="1"/>
+            </p:cNvPicPr>
+            <p:nvPr/>
+          </p:nvPicPr>
+          <p:blipFill>
+            <a:blip r:embed="rId3">
+              <a:extLst>
+                <a:ext uri="{BEBA8EAE-BF5A-486C-A8C5-ECC9F3942E4B}">
+                  <a14:imgProps xmlns:a14="http://schemas.microsoft.com/office/drawing/2010/main">
+                    <a14:imgLayer r:embed="rId4">
+                      <a14:imgEffect>
+                        <a14:brightnessContrast bright="40000" contrast="-40000"/>
+                      </a14:imgEffect>
+                    </a14:imgLayer>
+                  </a14:imgProps>
+                </a:ext>
+                <a:ext uri="{28A0092B-C50C-407E-A947-70E740481C1C}">
+                  <a14:useLocalDpi xmlns:a14="http://schemas.microsoft.com/office/drawing/2010/main" val="0"/>
+                </a:ext>
+              </a:extLst>
+            </a:blip>
+            <a:srcRect l="16465" r="18733"/>
+            <a:stretch/>
+          </p:blipFill>
+          <p:spPr>
+            <a:xfrm rot="5400000">
+              <a:off x="8161130" y="516560"/>
+              <a:ext cx="2139251" cy="4401616"/>
+            </a:xfrm>
+            <a:prstGeom prst="rect">
+              <a:avLst/>
+            </a:prstGeom>
+          </p:spPr>
+        </p:pic>
+        <p:pic>
+          <p:nvPicPr>
+            <p:cNvPr id="11" name="図 10">
+              <a:extLst>
+                <a:ext uri="{FF2B5EF4-FFF2-40B4-BE49-F238E27FC236}">
+                  <a16:creationId xmlns:a16="http://schemas.microsoft.com/office/drawing/2014/main" id="{826B439B-91A4-2D82-B754-495FD1A2D023}"/>
+                </a:ext>
+              </a:extLst>
+            </p:cNvPr>
+            <p:cNvPicPr>
+              <a:picLocks noChangeAspect="1"/>
+            </p:cNvPicPr>
+            <p:nvPr/>
+          </p:nvPicPr>
+          <p:blipFill>
+            <a:blip r:embed="rId5">
+              <a:extLst>
+                <a:ext uri="{28A0092B-C50C-407E-A947-70E740481C1C}">
+                  <a14:useLocalDpi xmlns:a14="http://schemas.microsoft.com/office/drawing/2010/main" val="0"/>
+                </a:ext>
+              </a:extLst>
+            </a:blip>
+            <a:srcRect t="18089" b="17108"/>
+            <a:stretch/>
+          </p:blipFill>
+          <p:spPr>
+            <a:xfrm>
+              <a:off x="7029947" y="3862666"/>
+              <a:ext cx="4401617" cy="2139253"/>
+            </a:xfrm>
+            <a:prstGeom prst="rect">
+              <a:avLst/>
+            </a:prstGeom>
+          </p:spPr>
+        </p:pic>
+        <p:pic>
+          <p:nvPicPr>
+            <p:cNvPr id="16" name="図 15">
+              <a:extLst>
+                <a:ext uri="{FF2B5EF4-FFF2-40B4-BE49-F238E27FC236}">
+                  <a16:creationId xmlns:a16="http://schemas.microsoft.com/office/drawing/2014/main" id="{3290487E-9C93-1919-28FB-32495B562EC4}"/>
+                </a:ext>
+              </a:extLst>
+            </p:cNvPr>
+            <p:cNvPicPr>
+              <a:picLocks noChangeAspect="1"/>
+            </p:cNvPicPr>
+            <p:nvPr/>
+          </p:nvPicPr>
+          <p:blipFill>
+            <a:blip r:embed="rId6">
+              <a:extLst>
+                <a:ext uri="{28A0092B-C50C-407E-A947-70E740481C1C}">
+                  <a14:useLocalDpi xmlns:a14="http://schemas.microsoft.com/office/drawing/2010/main" val="0"/>
+                </a:ext>
+              </a:extLst>
+            </a:blip>
+            <a:srcRect t="39084" b="39109"/>
+            <a:stretch/>
+          </p:blipFill>
+          <p:spPr>
+            <a:xfrm>
+              <a:off x="2534323" y="3862670"/>
+              <a:ext cx="4392630" cy="2139253"/>
+            </a:xfrm>
+            <a:prstGeom prst="rect">
+              <a:avLst/>
+            </a:prstGeom>
+          </p:spPr>
+        </p:pic>
+      </p:grpSp>
+      <p:sp>
+        <p:nvSpPr>
+          <p:cNvPr id="24" name="テキスト ボックス 23">
+            <a:extLst>
+              <a:ext uri="{FF2B5EF4-FFF2-40B4-BE49-F238E27FC236}">
+                <a16:creationId xmlns:a16="http://schemas.microsoft.com/office/drawing/2014/main" id="{E1CCE212-9AB4-3B9F-1B68-812DCA630CA4}"/>
+              </a:ext>
+            </a:extLst>
+          </p:cNvPr>
+          <p:cNvSpPr txBox="1"/>
           <p:nvPr/>
         </p:nvSpPr>
         <p:spPr>
           <a:xfrm>
-            <a:off x="773633" y="1104184"/>
-            <a:ext cx="1679884" cy="467885"/>
+            <a:off x="621446" y="5856206"/>
+            <a:ext cx="10949107" cy="467885"/>
           </a:xfrm>
           <a:prstGeom prst="rect">
             <a:avLst/>
           </a:prstGeom>
-          <a:solidFill>
-            <a:schemeClr val="bg1">
-              <a:lumMod val="85000"/>
-            </a:schemeClr>
-          </a:solidFill>
-          <a:ln>
-            <a:noFill/>
-          </a:ln>
+          <a:noFill/>
         </p:spPr>
-        <p:style>
-          <a:lnRef idx="2">
-            <a:schemeClr val="accent1">
-              <a:shade val="15000"/>
-            </a:schemeClr>
-          </a:lnRef>
-          <a:fillRef idx="1">
-            <a:schemeClr val="accent1"/>
-          </a:fillRef>
-          <a:effectRef idx="0">
-            <a:schemeClr val="accent1"/>
-          </a:effectRef>
-          <a:fontRef idx="minor">
-            <a:schemeClr val="lt1"/>
-          </a:fontRef>
-        </p:style>
         <p:txBody>
-          <a:bodyPr wrap="square" rtlCol="0" anchor="ctr">
-            <a:noAutofit/>
+          <a:bodyPr wrap="square" rtlCol="0" anchor="t">
+            <a:spAutoFit/>
           </a:bodyPr>
           <a:lstStyle/>
           <a:p>
-            <a:pPr algn="ctr"/>
-            <a:endParaRPr kumimoji="1" lang="ja-JP" altLang="en-US" dirty="0">
+            <a:pPr marL="0" marR="0" lvl="0" indent="0" algn="ctr" defTabSz="914400" rtl="0" eaLnBrk="1" fontAlgn="auto" latinLnBrk="0" hangingPunct="1">
+              <a:lnSpc>
+                <a:spcPct val="150000"/>
+              </a:lnSpc>
+              <a:spcBef>
+                <a:spcPts val="0"/>
+              </a:spcBef>
+              <a:spcAft>
+                <a:spcPts val="0"/>
+              </a:spcAft>
+              <a:buClrTx/>
+              <a:buSzTx/>
+              <a:buFontTx/>
+              <a:buNone/>
+              <a:tabLst/>
+              <a:defRPr/>
+            </a:pPr>
+            <a:r>
+              <a:rPr lang="ja-JP" altLang="en-US" dirty="0">
+                <a:solidFill>
+                  <a:srgbClr val="202028"/>
+                </a:solidFill>
+                <a:latin typeface="游ゴシック Medium" panose="020B0500000000000000" pitchFamily="50" charset="-128"/>
+                <a:ea typeface="游ゴシック Medium" panose="020B0500000000000000" pitchFamily="50" charset="-128"/>
+              </a:rPr>
+              <a:t>どのような環境でも紙媒体よりも</a:t>
+            </a:r>
+            <a:r>
+              <a:rPr lang="en-US" altLang="ja-JP" dirty="0">
+                <a:solidFill>
+                  <a:srgbClr val="202028"/>
+                </a:solidFill>
+                <a:latin typeface="游ゴシック Medium" panose="020B0500000000000000" pitchFamily="50" charset="-128"/>
+                <a:ea typeface="游ゴシック Medium" panose="020B0500000000000000" pitchFamily="50" charset="-128"/>
+              </a:rPr>
+              <a:t>Web</a:t>
+            </a:r>
+            <a:r>
+              <a:rPr lang="ja-JP" altLang="en-US" dirty="0">
+                <a:solidFill>
+                  <a:srgbClr val="202028"/>
+                </a:solidFill>
+                <a:latin typeface="游ゴシック Medium" panose="020B0500000000000000" pitchFamily="50" charset="-128"/>
+                <a:ea typeface="游ゴシック Medium" panose="020B0500000000000000" pitchFamily="50" charset="-128"/>
+              </a:rPr>
+              <a:t>の方が色が正常に表示され、視覚への直接の影響が大きい</a:t>
+            </a:r>
+            <a:endParaRPr lang="en-US" altLang="ja-JP" dirty="0">
               <a:solidFill>
-                <a:srgbClr val="404652"/>
+                <a:srgbClr val="202028"/>
               </a:solidFill>
+              <a:latin typeface="游ゴシック Medium" panose="020B0500000000000000" pitchFamily="50" charset="-128"/>
+              <a:ea typeface="游ゴシック Medium" panose="020B0500000000000000" pitchFamily="50" charset="-128"/>
             </a:endParaRPr>
           </a:p>
         </p:txBody>
       </p:sp>
-      <p:sp>
-        <p:nvSpPr>
-          <p:cNvPr id="5" name="正方形/長方形 4">
-            <a:extLst>
-              <a:ext uri="{FF2B5EF4-FFF2-40B4-BE49-F238E27FC236}">
-                <a16:creationId xmlns:a16="http://schemas.microsoft.com/office/drawing/2014/main" id="{DC9A7713-309B-820C-5738-D9F682A3A154}"/>
-              </a:ext>
-            </a:extLst>
-          </p:cNvPr>
-          <p:cNvSpPr/>
-          <p:nvPr/>
-        </p:nvSpPr>
-        <p:spPr>
-          <a:xfrm>
-            <a:off x="2534325" y="1104183"/>
-            <a:ext cx="4401617" cy="467885"/>
-          </a:xfrm>
-          <a:prstGeom prst="rect">
-            <a:avLst/>
-          </a:prstGeom>
-          <a:solidFill>
-            <a:schemeClr val="bg1">
-              <a:lumMod val="85000"/>
-            </a:schemeClr>
-          </a:solidFill>
-          <a:ln>
-            <a:noFill/>
-          </a:ln>
-        </p:spPr>
-        <p:style>
-          <a:lnRef idx="2">
-            <a:schemeClr val="accent1">
-              <a:shade val="15000"/>
-            </a:schemeClr>
-          </a:lnRef>
-          <a:fillRef idx="1">
-            <a:schemeClr val="accent1"/>
-          </a:fillRef>
-          <a:effectRef idx="0">
-            <a:schemeClr val="accent1"/>
-          </a:effectRef>
-          <a:fontRef idx="minor">
-            <a:schemeClr val="lt1"/>
-          </a:fontRef>
-        </p:style>
-        <p:txBody>
-          <a:bodyPr wrap="square" rtlCol="0" anchor="ctr">
-            <a:noAutofit/>
-          </a:bodyPr>
-          <a:lstStyle/>
-          <a:p>
-            <a:pPr algn="ctr"/>
-            <a:r>
-              <a:rPr lang="ja-JP" altLang="en-US" dirty="0">
-                <a:solidFill>
-                  <a:srgbClr val="404652"/>
-                </a:solidFill>
-              </a:rPr>
-              <a:t>明るい環境</a:t>
-            </a:r>
-            <a:endParaRPr kumimoji="1" lang="ja-JP" altLang="en-US" dirty="0">
-              <a:solidFill>
-                <a:srgbClr val="404652"/>
-              </a:solidFill>
-            </a:endParaRPr>
-          </a:p>
-        </p:txBody>
-      </p:sp>
-      <p:sp>
-        <p:nvSpPr>
-          <p:cNvPr id="6" name="正方形/長方形 5">
-            <a:extLst>
-              <a:ext uri="{FF2B5EF4-FFF2-40B4-BE49-F238E27FC236}">
-                <a16:creationId xmlns:a16="http://schemas.microsoft.com/office/drawing/2014/main" id="{DD5C34F8-EEE9-F2D7-F795-6E2ED3957CDF}"/>
-              </a:ext>
-            </a:extLst>
-          </p:cNvPr>
-          <p:cNvSpPr/>
-          <p:nvPr/>
-        </p:nvSpPr>
-        <p:spPr>
-          <a:xfrm>
-            <a:off x="7016750" y="1104183"/>
-            <a:ext cx="4401617" cy="467885"/>
-          </a:xfrm>
-          <a:prstGeom prst="rect">
-            <a:avLst/>
-          </a:prstGeom>
-          <a:solidFill>
-            <a:schemeClr val="bg1">
-              <a:lumMod val="85000"/>
-            </a:schemeClr>
-          </a:solidFill>
-          <a:ln>
-            <a:noFill/>
-          </a:ln>
-        </p:spPr>
-        <p:style>
-          <a:lnRef idx="2">
-            <a:schemeClr val="accent1">
-              <a:shade val="15000"/>
-            </a:schemeClr>
-          </a:lnRef>
-          <a:fillRef idx="1">
-            <a:schemeClr val="accent1"/>
-          </a:fillRef>
-          <a:effectRef idx="0">
-            <a:schemeClr val="accent1"/>
-          </a:effectRef>
-          <a:fontRef idx="minor">
-            <a:schemeClr val="lt1"/>
-          </a:fontRef>
-        </p:style>
-        <p:txBody>
-          <a:bodyPr wrap="square" rtlCol="0" anchor="ctr">
-            <a:noAutofit/>
-          </a:bodyPr>
-          <a:lstStyle/>
-          <a:p>
-            <a:pPr algn="ctr"/>
-            <a:r>
-              <a:rPr kumimoji="1" lang="ja-JP" altLang="en-US" dirty="0">
-                <a:solidFill>
-                  <a:srgbClr val="404652"/>
-                </a:solidFill>
-              </a:rPr>
-              <a:t>暗い環境</a:t>
-            </a:r>
-          </a:p>
-        </p:txBody>
-      </p:sp>
-      <p:sp>
-        <p:nvSpPr>
-          <p:cNvPr id="8" name="正方形/長方形 7">
-            <a:extLst>
-              <a:ext uri="{FF2B5EF4-FFF2-40B4-BE49-F238E27FC236}">
-                <a16:creationId xmlns:a16="http://schemas.microsoft.com/office/drawing/2014/main" id="{880C6D73-4AB4-6663-45CA-F7885777E1E8}"/>
-              </a:ext>
-            </a:extLst>
-          </p:cNvPr>
-          <p:cNvSpPr/>
-          <p:nvPr/>
-        </p:nvSpPr>
-        <p:spPr>
-          <a:xfrm>
-            <a:off x="2534325" y="1647744"/>
-            <a:ext cx="4401617" cy="2139254"/>
-          </a:xfrm>
-          <a:prstGeom prst="rect">
-            <a:avLst/>
-          </a:prstGeom>
-          <a:solidFill>
-            <a:schemeClr val="bg1">
-              <a:lumMod val="85000"/>
-            </a:schemeClr>
-          </a:solidFill>
-          <a:ln>
-            <a:noFill/>
-          </a:ln>
-        </p:spPr>
-        <p:style>
-          <a:lnRef idx="2">
-            <a:schemeClr val="accent1">
-              <a:shade val="15000"/>
-            </a:schemeClr>
-          </a:lnRef>
-          <a:fillRef idx="1">
-            <a:schemeClr val="accent1"/>
-          </a:fillRef>
-          <a:effectRef idx="0">
-            <a:schemeClr val="accent1"/>
-          </a:effectRef>
-          <a:fontRef idx="minor">
-            <a:schemeClr val="lt1"/>
-          </a:fontRef>
-        </p:style>
-        <p:txBody>
-          <a:bodyPr wrap="square" rtlCol="0" anchor="ctr">
-            <a:noAutofit/>
-          </a:bodyPr>
-          <a:lstStyle/>
-          <a:p>
-            <a:pPr algn="ctr"/>
-            <a:endParaRPr kumimoji="1" lang="ja-JP" altLang="en-US" dirty="0">
-              <a:solidFill>
-                <a:srgbClr val="404652"/>
-              </a:solidFill>
-            </a:endParaRPr>
-          </a:p>
-        </p:txBody>
-      </p:sp>
-      <p:sp>
-        <p:nvSpPr>
-          <p:cNvPr id="9" name="正方形/長方形 8">
-            <a:extLst>
-              <a:ext uri="{FF2B5EF4-FFF2-40B4-BE49-F238E27FC236}">
-                <a16:creationId xmlns:a16="http://schemas.microsoft.com/office/drawing/2014/main" id="{4E18D7E1-B139-E0D5-D959-547BC9C36EF0}"/>
-              </a:ext>
-            </a:extLst>
-          </p:cNvPr>
-          <p:cNvSpPr/>
-          <p:nvPr/>
-        </p:nvSpPr>
-        <p:spPr>
-          <a:xfrm>
-            <a:off x="7016750" y="1647744"/>
-            <a:ext cx="4401617" cy="2139254"/>
-          </a:xfrm>
-          <a:prstGeom prst="rect">
-            <a:avLst/>
-          </a:prstGeom>
-          <a:solidFill>
-            <a:schemeClr val="bg1">
-              <a:lumMod val="85000"/>
-            </a:schemeClr>
-          </a:solidFill>
-          <a:ln>
-            <a:noFill/>
-          </a:ln>
-        </p:spPr>
-        <p:style>
-          <a:lnRef idx="2">
-            <a:schemeClr val="accent1">
-              <a:shade val="15000"/>
-            </a:schemeClr>
-          </a:lnRef>
-          <a:fillRef idx="1">
-            <a:schemeClr val="accent1"/>
-          </a:fillRef>
-          <a:effectRef idx="0">
-            <a:schemeClr val="accent1"/>
-          </a:effectRef>
-          <a:fontRef idx="minor">
-            <a:schemeClr val="lt1"/>
-          </a:fontRef>
-        </p:style>
-        <p:txBody>
-          <a:bodyPr wrap="square" rtlCol="0" anchor="ctr">
-            <a:noAutofit/>
-          </a:bodyPr>
-          <a:lstStyle/>
-          <a:p>
-            <a:pPr algn="ctr"/>
-            <a:endParaRPr kumimoji="1" lang="ja-JP" altLang="en-US" dirty="0">
-              <a:solidFill>
-                <a:srgbClr val="404652"/>
-              </a:solidFill>
-            </a:endParaRPr>
-          </a:p>
-        </p:txBody>
-      </p:sp>
-      <p:sp>
-        <p:nvSpPr>
-          <p:cNvPr id="10" name="正方形/長方形 9">
-            <a:extLst>
-              <a:ext uri="{FF2B5EF4-FFF2-40B4-BE49-F238E27FC236}">
-                <a16:creationId xmlns:a16="http://schemas.microsoft.com/office/drawing/2014/main" id="{9E705F41-1EFF-0C7F-D52E-3B70B243BCA7}"/>
-              </a:ext>
-            </a:extLst>
-          </p:cNvPr>
-          <p:cNvSpPr/>
-          <p:nvPr/>
-        </p:nvSpPr>
-        <p:spPr>
-          <a:xfrm>
-            <a:off x="773633" y="1647743"/>
-            <a:ext cx="1679884" cy="2139254"/>
-          </a:xfrm>
-          <a:prstGeom prst="rect">
-            <a:avLst/>
-          </a:prstGeom>
-          <a:solidFill>
-            <a:schemeClr val="bg1">
-              <a:lumMod val="85000"/>
-            </a:schemeClr>
-          </a:solidFill>
-          <a:ln>
-            <a:noFill/>
-          </a:ln>
-        </p:spPr>
-        <p:style>
-          <a:lnRef idx="2">
-            <a:schemeClr val="accent1">
-              <a:shade val="15000"/>
-            </a:schemeClr>
-          </a:lnRef>
-          <a:fillRef idx="1">
-            <a:schemeClr val="accent1"/>
-          </a:fillRef>
-          <a:effectRef idx="0">
-            <a:schemeClr val="accent1"/>
-          </a:effectRef>
-          <a:fontRef idx="minor">
-            <a:schemeClr val="lt1"/>
-          </a:fontRef>
-        </p:style>
-        <p:txBody>
-          <a:bodyPr wrap="square" rtlCol="0" anchor="ctr">
-            <a:noAutofit/>
-          </a:bodyPr>
-          <a:lstStyle/>
-          <a:p>
-            <a:pPr algn="ctr"/>
-            <a:r>
-              <a:rPr kumimoji="1" lang="ja-JP" altLang="en-US" dirty="0">
-                <a:solidFill>
-                  <a:srgbClr val="404652"/>
-                </a:solidFill>
-              </a:rPr>
-              <a:t>紙媒体</a:t>
-            </a:r>
-          </a:p>
-        </p:txBody>
-      </p:sp>
-      <p:sp>
-        <p:nvSpPr>
-          <p:cNvPr id="12" name="正方形/長方形 11">
-            <a:extLst>
-              <a:ext uri="{FF2B5EF4-FFF2-40B4-BE49-F238E27FC236}">
-                <a16:creationId xmlns:a16="http://schemas.microsoft.com/office/drawing/2014/main" id="{8F41C2D6-1912-8F40-B964-092C5E60E73E}"/>
-              </a:ext>
-            </a:extLst>
-          </p:cNvPr>
-          <p:cNvSpPr/>
-          <p:nvPr/>
-        </p:nvSpPr>
-        <p:spPr>
-          <a:xfrm>
-            <a:off x="773633" y="3862670"/>
-            <a:ext cx="1679884" cy="2139253"/>
-          </a:xfrm>
-          <a:prstGeom prst="rect">
-            <a:avLst/>
-          </a:prstGeom>
-          <a:solidFill>
-            <a:schemeClr val="bg1">
-              <a:lumMod val="85000"/>
-            </a:schemeClr>
-          </a:solidFill>
-          <a:ln>
-            <a:noFill/>
-          </a:ln>
-        </p:spPr>
-        <p:style>
-          <a:lnRef idx="2">
-            <a:schemeClr val="accent1">
-              <a:shade val="15000"/>
-            </a:schemeClr>
-          </a:lnRef>
-          <a:fillRef idx="1">
-            <a:schemeClr val="accent1"/>
-          </a:fillRef>
-          <a:effectRef idx="0">
-            <a:schemeClr val="accent1"/>
-          </a:effectRef>
-          <a:fontRef idx="minor">
-            <a:schemeClr val="lt1"/>
-          </a:fontRef>
-        </p:style>
-        <p:txBody>
-          <a:bodyPr wrap="square" rtlCol="0" anchor="ctr">
-            <a:noAutofit/>
-          </a:bodyPr>
-          <a:lstStyle/>
-          <a:p>
-            <a:pPr algn="ctr"/>
-            <a:r>
-              <a:rPr kumimoji="1" lang="en-US" altLang="ja-JP" dirty="0">
-                <a:solidFill>
-                  <a:srgbClr val="404652"/>
-                </a:solidFill>
-              </a:rPr>
-              <a:t>Web</a:t>
-            </a:r>
-            <a:r>
-              <a:rPr kumimoji="1" lang="ja-JP" altLang="en-US" dirty="0">
-                <a:solidFill>
-                  <a:srgbClr val="404652"/>
-                </a:solidFill>
-              </a:rPr>
-              <a:t>サイト</a:t>
-            </a:r>
-          </a:p>
-        </p:txBody>
-      </p:sp>
-      <p:sp>
-        <p:nvSpPr>
-          <p:cNvPr id="13" name="正方形/長方形 12">
-            <a:extLst>
-              <a:ext uri="{FF2B5EF4-FFF2-40B4-BE49-F238E27FC236}">
-                <a16:creationId xmlns:a16="http://schemas.microsoft.com/office/drawing/2014/main" id="{59E7659D-65D5-3051-5984-B4E75D1264E7}"/>
-              </a:ext>
-            </a:extLst>
-          </p:cNvPr>
-          <p:cNvSpPr/>
-          <p:nvPr/>
-        </p:nvSpPr>
-        <p:spPr>
-          <a:xfrm>
-            <a:off x="2534325" y="3862671"/>
-            <a:ext cx="4401617" cy="2139254"/>
-          </a:xfrm>
-          <a:prstGeom prst="rect">
-            <a:avLst/>
-          </a:prstGeom>
-          <a:solidFill>
-            <a:schemeClr val="bg1">
-              <a:lumMod val="85000"/>
-            </a:schemeClr>
-          </a:solidFill>
-          <a:ln>
-            <a:noFill/>
-          </a:ln>
-        </p:spPr>
-        <p:style>
-          <a:lnRef idx="2">
-            <a:schemeClr val="accent1">
-              <a:shade val="15000"/>
-            </a:schemeClr>
-          </a:lnRef>
-          <a:fillRef idx="1">
-            <a:schemeClr val="accent1"/>
-          </a:fillRef>
-          <a:effectRef idx="0">
-            <a:schemeClr val="accent1"/>
-          </a:effectRef>
-          <a:fontRef idx="minor">
-            <a:schemeClr val="lt1"/>
-          </a:fontRef>
-        </p:style>
-        <p:txBody>
-          <a:bodyPr wrap="square" rtlCol="0" anchor="ctr">
-            <a:noAutofit/>
-          </a:bodyPr>
-          <a:lstStyle/>
-          <a:p>
-            <a:pPr algn="ctr"/>
-            <a:endParaRPr kumimoji="1" lang="ja-JP" altLang="en-US" dirty="0">
-              <a:solidFill>
-                <a:srgbClr val="404652"/>
-              </a:solidFill>
-            </a:endParaRPr>
-          </a:p>
-        </p:txBody>
-      </p:sp>
-      <p:sp>
-        <p:nvSpPr>
-          <p:cNvPr id="14" name="正方形/長方形 13">
-            <a:extLst>
-              <a:ext uri="{FF2B5EF4-FFF2-40B4-BE49-F238E27FC236}">
-                <a16:creationId xmlns:a16="http://schemas.microsoft.com/office/drawing/2014/main" id="{BC0FF4F9-8A33-DC03-8C3E-E7BD66B59513}"/>
-              </a:ext>
-            </a:extLst>
-          </p:cNvPr>
-          <p:cNvSpPr/>
-          <p:nvPr/>
-        </p:nvSpPr>
-        <p:spPr>
-          <a:xfrm>
-            <a:off x="7016750" y="3862671"/>
-            <a:ext cx="4401617" cy="2139254"/>
-          </a:xfrm>
-          <a:prstGeom prst="rect">
-            <a:avLst/>
-          </a:prstGeom>
-          <a:solidFill>
-            <a:schemeClr val="bg1">
-              <a:lumMod val="85000"/>
-            </a:schemeClr>
-          </a:solidFill>
-          <a:ln>
-            <a:noFill/>
-          </a:ln>
-        </p:spPr>
-        <p:style>
-          <a:lnRef idx="2">
-            <a:schemeClr val="accent1">
-              <a:shade val="15000"/>
-            </a:schemeClr>
-          </a:lnRef>
-          <a:fillRef idx="1">
-            <a:schemeClr val="accent1"/>
-          </a:fillRef>
-          <a:effectRef idx="0">
-            <a:schemeClr val="accent1"/>
-          </a:effectRef>
-          <a:fontRef idx="minor">
-            <a:schemeClr val="lt1"/>
-          </a:fontRef>
-        </p:style>
-        <p:txBody>
-          <a:bodyPr wrap="square" rtlCol="0" anchor="ctr">
-            <a:noAutofit/>
-          </a:bodyPr>
-          <a:lstStyle/>
-          <a:p>
-            <a:pPr algn="ctr"/>
-            <a:endParaRPr kumimoji="1" lang="ja-JP" altLang="en-US" dirty="0">
-              <a:solidFill>
-                <a:srgbClr val="404652"/>
-              </a:solidFill>
-            </a:endParaRPr>
-          </a:p>
-        </p:txBody>
-      </p:sp>
-      <p:pic>
-        <p:nvPicPr>
-          <p:cNvPr id="17" name="図 16">
-            <a:extLst>
-              <a:ext uri="{FF2B5EF4-FFF2-40B4-BE49-F238E27FC236}">
-                <a16:creationId xmlns:a16="http://schemas.microsoft.com/office/drawing/2014/main" id="{38DCB6E4-C33E-F14F-A9CC-1B24A8E2CDFE}"/>
-              </a:ext>
-            </a:extLst>
-          </p:cNvPr>
-          <p:cNvPicPr>
-            <a:picLocks noChangeAspect="1"/>
-          </p:cNvPicPr>
-          <p:nvPr/>
-        </p:nvPicPr>
-        <p:blipFill>
-          <a:blip r:embed="rId2">
-            <a:extLst>
-              <a:ext uri="{28A0092B-C50C-407E-A947-70E740481C1C}">
-                <a14:useLocalDpi xmlns:a14="http://schemas.microsoft.com/office/drawing/2010/main" val="0"/>
-              </a:ext>
-            </a:extLst>
-          </a:blip>
-          <a:stretch>
-            <a:fillRect/>
-          </a:stretch>
-        </p:blipFill>
-        <p:spPr>
-          <a:xfrm>
-            <a:off x="2534324" y="935671"/>
-            <a:ext cx="4401617" cy="3301213"/>
-          </a:xfrm>
-          <a:prstGeom prst="rect">
-            <a:avLst/>
-          </a:prstGeom>
-        </p:spPr>
-      </p:pic>
     </p:spTree>
     <p:extLst>
       <p:ext uri="{BB962C8B-B14F-4D97-AF65-F5344CB8AC3E}">
@@ -9897,8 +9772,8 @@
         </p:nvSpPr>
         <p:spPr>
           <a:xfrm>
-            <a:off x="1083126" y="2896100"/>
-            <a:ext cx="9710380" cy="2545377"/>
+            <a:off x="1083126" y="1474514"/>
+            <a:ext cx="9710380" cy="4622869"/>
           </a:xfrm>
           <a:prstGeom prst="rect">
             <a:avLst/>
@@ -9917,48 +9792,68 @@
               </a:lnSpc>
             </a:pPr>
             <a:r>
-              <a:rPr kumimoji="1" lang="ja-JP" altLang="en-US" dirty="0">
-                <a:solidFill>
-                  <a:srgbClr val="202028"/>
-                </a:solidFill>
-                <a:latin typeface="游ゴシック Medium" panose="020B0500000000000000" pitchFamily="50" charset="-128"/>
-                <a:ea typeface="游ゴシック Medium" panose="020B0500000000000000" pitchFamily="50" charset="-128"/>
-              </a:rPr>
-              <a:t>判別しにくい色を使わない</a:t>
-            </a:r>
-          </a:p>
-          <a:p>
-            <a:pPr>
-              <a:lnSpc>
-                <a:spcPct val="150000"/>
-              </a:lnSpc>
-            </a:pPr>
-            <a:r>
-              <a:rPr kumimoji="1" lang="ja-JP" altLang="en-US" dirty="0">
-                <a:solidFill>
-                  <a:srgbClr val="202028"/>
-                </a:solidFill>
-                <a:latin typeface="游ゴシック Medium" panose="020B0500000000000000" pitchFamily="50" charset="-128"/>
-                <a:ea typeface="游ゴシック Medium" panose="020B0500000000000000" pitchFamily="50" charset="-128"/>
-              </a:rPr>
-              <a:t>開発者用の色覚特性チェック用フィルタを使用</a:t>
-            </a:r>
-          </a:p>
-          <a:p>
-            <a:pPr>
-              <a:lnSpc>
-                <a:spcPct val="150000"/>
-              </a:lnSpc>
-            </a:pPr>
-            <a:r>
-              <a:rPr kumimoji="1" lang="ja-JP" altLang="en-US" dirty="0">
-                <a:solidFill>
-                  <a:srgbClr val="202028"/>
-                </a:solidFill>
-                <a:latin typeface="游ゴシック Medium" panose="020B0500000000000000" pitchFamily="50" charset="-128"/>
-                <a:ea typeface="游ゴシック Medium" panose="020B0500000000000000" pitchFamily="50" charset="-128"/>
-              </a:rPr>
-              <a:t>「色覚特性を持っている人用」に別ページを用意する</a:t>
+              <a:rPr kumimoji="1" lang="ja-JP" altLang="en-US" b="1" dirty="0">
+                <a:solidFill>
+                  <a:schemeClr val="tx1">
+                    <a:lumMod val="75000"/>
+                    <a:lumOff val="25000"/>
+                  </a:schemeClr>
+                </a:solidFill>
+                <a:latin typeface="游ゴシック" panose="020B0400000000000000" pitchFamily="50" charset="-128"/>
+                <a:ea typeface="游ゴシック" panose="020B0400000000000000" pitchFamily="50" charset="-128"/>
+              </a:rPr>
+              <a:t>色覚障害者でも使いやすい</a:t>
+            </a:r>
+            <a:r>
+              <a:rPr kumimoji="1" lang="en-US" altLang="ja-JP" b="1" dirty="0">
+                <a:solidFill>
+                  <a:schemeClr val="tx1">
+                    <a:lumMod val="75000"/>
+                    <a:lumOff val="25000"/>
+                  </a:schemeClr>
+                </a:solidFill>
+                <a:latin typeface="游ゴシック" panose="020B0400000000000000" pitchFamily="50" charset="-128"/>
+                <a:ea typeface="游ゴシック" panose="020B0400000000000000" pitchFamily="50" charset="-128"/>
+              </a:rPr>
+              <a:t>Web</a:t>
+            </a:r>
+            <a:r>
+              <a:rPr kumimoji="1" lang="ja-JP" altLang="en-US" b="1" dirty="0">
+                <a:solidFill>
+                  <a:schemeClr val="tx1">
+                    <a:lumMod val="75000"/>
+                    <a:lumOff val="25000"/>
+                  </a:schemeClr>
+                </a:solidFill>
+                <a:latin typeface="游ゴシック" panose="020B0400000000000000" pitchFamily="50" charset="-128"/>
+                <a:ea typeface="游ゴシック" panose="020B0400000000000000" pitchFamily="50" charset="-128"/>
+              </a:rPr>
+              <a:t>サイトとは、</a:t>
+            </a:r>
+            <a:br>
+              <a:rPr kumimoji="1" lang="ja-JP" altLang="en-US" b="1" dirty="0">
+                <a:solidFill>
+                  <a:schemeClr val="tx1">
+                    <a:lumMod val="75000"/>
+                    <a:lumOff val="25000"/>
+                  </a:schemeClr>
+                </a:solidFill>
+                <a:latin typeface="游ゴシック" panose="020B0400000000000000" pitchFamily="50" charset="-128"/>
+                <a:ea typeface="游ゴシック" panose="020B0400000000000000" pitchFamily="50" charset="-128"/>
+              </a:rPr>
+            </a:br>
+            <a:r>
+              <a:rPr kumimoji="1" lang="ja-JP" altLang="en-US" b="1" dirty="0">
+                <a:solidFill>
+                  <a:schemeClr val="tx1">
+                    <a:lumMod val="75000"/>
+                    <a:lumOff val="25000"/>
+                  </a:schemeClr>
+                </a:solidFill>
+                <a:latin typeface="游ゴシック" panose="020B0400000000000000" pitchFamily="50" charset="-128"/>
+                <a:ea typeface="游ゴシック" panose="020B0400000000000000" pitchFamily="50" charset="-128"/>
+              </a:rPr>
+              <a:t>ユニバーサルデザインを参考に、判別しにくい配色を避けたサイト</a:t>
             </a:r>
           </a:p>
           <a:p>
@@ -9979,7 +9874,281 @@
             <a:r>
               <a:rPr kumimoji="1" lang="ja-JP" altLang="en-US" b="1" dirty="0">
                 <a:solidFill>
+                  <a:srgbClr val="20567E"/>
+                </a:solidFill>
+                <a:latin typeface="游ゴシック" panose="020B0400000000000000" pitchFamily="50" charset="-128"/>
+                <a:ea typeface="游ゴシック" panose="020B0400000000000000" pitchFamily="50" charset="-128"/>
+              </a:rPr>
+              <a:t>具体的には</a:t>
+            </a:r>
+            <a:r>
+              <a:rPr kumimoji="1" lang="en-US" altLang="ja-JP" b="1" dirty="0">
+                <a:solidFill>
+                  <a:srgbClr val="20567E"/>
+                </a:solidFill>
+                <a:latin typeface="游ゴシック" panose="020B0400000000000000" pitchFamily="50" charset="-128"/>
+                <a:ea typeface="游ゴシック" panose="020B0400000000000000" pitchFamily="50" charset="-128"/>
+              </a:rPr>
+              <a:t>..</a:t>
+            </a:r>
+            <a:br>
+              <a:rPr kumimoji="1" lang="en-US" altLang="ja-JP" dirty="0">
+                <a:solidFill>
                   <a:srgbClr val="202028"/>
+                </a:solidFill>
+                <a:latin typeface="游ゴシック Medium" panose="020B0500000000000000" pitchFamily="50" charset="-128"/>
+                <a:ea typeface="游ゴシック Medium" panose="020B0500000000000000" pitchFamily="50" charset="-128"/>
+              </a:rPr>
+            </a:br>
+            <a:r>
+              <a:rPr kumimoji="1" lang="en-US" altLang="ja-JP" dirty="0">
+                <a:solidFill>
+                  <a:srgbClr val="202028"/>
+                </a:solidFill>
+                <a:latin typeface="游ゴシック Medium" panose="020B0500000000000000" pitchFamily="50" charset="-128"/>
+                <a:ea typeface="游ゴシック Medium" panose="020B0500000000000000" pitchFamily="50" charset="-128"/>
+              </a:rPr>
+              <a:t> + </a:t>
+            </a:r>
+            <a:r>
+              <a:rPr kumimoji="1" lang="ja-JP" altLang="en-US" dirty="0">
+                <a:solidFill>
+                  <a:srgbClr val="202028"/>
+                </a:solidFill>
+                <a:latin typeface="游ゴシック Medium" panose="020B0500000000000000" pitchFamily="50" charset="-128"/>
+                <a:ea typeface="游ゴシック Medium" panose="020B0500000000000000" pitchFamily="50" charset="-128"/>
+              </a:rPr>
+              <a:t>文字サイズは</a:t>
+            </a:r>
+            <a:r>
+              <a:rPr kumimoji="1" lang="en-US" altLang="ja-JP" b="1" dirty="0">
+                <a:solidFill>
+                  <a:srgbClr val="0876BA"/>
+                </a:solidFill>
+                <a:latin typeface="游ゴシック" panose="020B0400000000000000" pitchFamily="50" charset="-128"/>
+                <a:ea typeface="游ゴシック" panose="020B0400000000000000" pitchFamily="50" charset="-128"/>
+              </a:rPr>
+              <a:t>16px</a:t>
+            </a:r>
+            <a:r>
+              <a:rPr kumimoji="1" lang="ja-JP" altLang="en-US" b="1" dirty="0">
+                <a:solidFill>
+                  <a:srgbClr val="0876BA"/>
+                </a:solidFill>
+                <a:latin typeface="游ゴシック" panose="020B0400000000000000" pitchFamily="50" charset="-128"/>
+                <a:ea typeface="游ゴシック" panose="020B0400000000000000" pitchFamily="50" charset="-128"/>
+              </a:rPr>
+              <a:t>以上</a:t>
+            </a:r>
+            <a:r>
+              <a:rPr lang="ja-JP" altLang="en-US" dirty="0">
+                <a:solidFill>
+                  <a:srgbClr val="202028"/>
+                </a:solidFill>
+                <a:latin typeface="游ゴシック Medium" panose="020B0500000000000000" pitchFamily="50" charset="-128"/>
+                <a:ea typeface="游ゴシック Medium" panose="020B0500000000000000" pitchFamily="50" charset="-128"/>
+              </a:rPr>
+              <a:t>に</a:t>
+            </a:r>
+            <a:r>
+              <a:rPr kumimoji="1" lang="ja-JP" altLang="en-US" dirty="0">
+                <a:solidFill>
+                  <a:srgbClr val="202028"/>
+                </a:solidFill>
+                <a:latin typeface="游ゴシック Medium" panose="020B0500000000000000" pitchFamily="50" charset="-128"/>
+                <a:ea typeface="游ゴシック Medium" panose="020B0500000000000000" pitchFamily="50" charset="-128"/>
+              </a:rPr>
+              <a:t>設定して読みやすくする</a:t>
+            </a:r>
+            <a:br>
+              <a:rPr kumimoji="1" lang="en-US" altLang="ja-JP" dirty="0">
+                <a:solidFill>
+                  <a:srgbClr val="202028"/>
+                </a:solidFill>
+                <a:latin typeface="游ゴシック Medium" panose="020B0500000000000000" pitchFamily="50" charset="-128"/>
+                <a:ea typeface="游ゴシック Medium" panose="020B0500000000000000" pitchFamily="50" charset="-128"/>
+              </a:rPr>
+            </a:br>
+            <a:r>
+              <a:rPr kumimoji="1" lang="en-US" altLang="ja-JP" dirty="0">
+                <a:solidFill>
+                  <a:srgbClr val="202028"/>
+                </a:solidFill>
+                <a:latin typeface="游ゴシック Medium" panose="020B0500000000000000" pitchFamily="50" charset="-128"/>
+                <a:ea typeface="游ゴシック Medium" panose="020B0500000000000000" pitchFamily="50" charset="-128"/>
+              </a:rPr>
+              <a:t> + </a:t>
+            </a:r>
+            <a:r>
+              <a:rPr kumimoji="1" lang="ja-JP" altLang="en-US" dirty="0">
+                <a:solidFill>
+                  <a:srgbClr val="202028"/>
+                </a:solidFill>
+                <a:latin typeface="游ゴシック Medium" panose="020B0500000000000000" pitchFamily="50" charset="-128"/>
+                <a:ea typeface="游ゴシック Medium" panose="020B0500000000000000" pitchFamily="50" charset="-128"/>
+              </a:rPr>
+              <a:t>行間は</a:t>
+            </a:r>
+            <a:r>
+              <a:rPr kumimoji="1" lang="en-US" altLang="ja-JP" b="1" dirty="0">
+                <a:solidFill>
+                  <a:srgbClr val="0876BA"/>
+                </a:solidFill>
+                <a:latin typeface="游ゴシック" panose="020B0400000000000000" pitchFamily="50" charset="-128"/>
+                <a:ea typeface="游ゴシック" panose="020B0400000000000000" pitchFamily="50" charset="-128"/>
+              </a:rPr>
+              <a:t>1.5</a:t>
+            </a:r>
+            <a:r>
+              <a:rPr kumimoji="1" lang="ja-JP" altLang="en-US" b="1" dirty="0">
+                <a:solidFill>
+                  <a:srgbClr val="0876BA"/>
+                </a:solidFill>
+                <a:latin typeface="游ゴシック" panose="020B0400000000000000" pitchFamily="50" charset="-128"/>
+                <a:ea typeface="游ゴシック" panose="020B0400000000000000" pitchFamily="50" charset="-128"/>
+              </a:rPr>
+              <a:t>行以上</a:t>
+            </a:r>
+            <a:r>
+              <a:rPr kumimoji="1" lang="ja-JP" altLang="en-US" dirty="0">
+                <a:solidFill>
+                  <a:srgbClr val="202028"/>
+                </a:solidFill>
+                <a:latin typeface="游ゴシック Medium" panose="020B0500000000000000" pitchFamily="50" charset="-128"/>
+                <a:ea typeface="游ゴシック Medium" panose="020B0500000000000000" pitchFamily="50" charset="-128"/>
+              </a:rPr>
+              <a:t>空けて、行を間違えにくくする</a:t>
+            </a:r>
+            <a:br>
+              <a:rPr kumimoji="1" lang="en-US" altLang="ja-JP" dirty="0">
+                <a:solidFill>
+                  <a:srgbClr val="202028"/>
+                </a:solidFill>
+                <a:latin typeface="游ゴシック Medium" panose="020B0500000000000000" pitchFamily="50" charset="-128"/>
+                <a:ea typeface="游ゴシック Medium" panose="020B0500000000000000" pitchFamily="50" charset="-128"/>
+              </a:rPr>
+            </a:br>
+            <a:r>
+              <a:rPr kumimoji="1" lang="en-US" altLang="ja-JP" dirty="0">
+                <a:solidFill>
+                  <a:srgbClr val="202028"/>
+                </a:solidFill>
+                <a:latin typeface="游ゴシック Medium" panose="020B0500000000000000" pitchFamily="50" charset="-128"/>
+                <a:ea typeface="游ゴシック Medium" panose="020B0500000000000000" pitchFamily="50" charset="-128"/>
+              </a:rPr>
+              <a:t> +</a:t>
+            </a:r>
+            <a:r>
+              <a:rPr kumimoji="1" lang="ja-JP" altLang="en-US" dirty="0">
+                <a:solidFill>
+                  <a:srgbClr val="202028"/>
+                </a:solidFill>
+                <a:latin typeface="游ゴシック Medium" panose="020B0500000000000000" pitchFamily="50" charset="-128"/>
+                <a:ea typeface="游ゴシック Medium" panose="020B0500000000000000" pitchFamily="50" charset="-128"/>
+              </a:rPr>
+              <a:t> </a:t>
+            </a:r>
+            <a:r>
+              <a:rPr kumimoji="1" lang="ja-JP" altLang="en-US" b="1" dirty="0">
+                <a:solidFill>
+                  <a:srgbClr val="0876BA"/>
+                </a:solidFill>
+                <a:latin typeface="游ゴシック" panose="020B0400000000000000" pitchFamily="50" charset="-128"/>
+                <a:ea typeface="游ゴシック" panose="020B0400000000000000" pitchFamily="50" charset="-128"/>
+              </a:rPr>
+              <a:t>寒色同士</a:t>
+            </a:r>
+            <a:r>
+              <a:rPr kumimoji="1" lang="ja-JP" altLang="en-US" dirty="0">
+                <a:solidFill>
+                  <a:srgbClr val="202028"/>
+                </a:solidFill>
+                <a:latin typeface="游ゴシック Medium" panose="020B0500000000000000" pitchFamily="50" charset="-128"/>
+                <a:ea typeface="游ゴシック Medium" panose="020B0500000000000000" pitchFamily="50" charset="-128"/>
+              </a:rPr>
+              <a:t>・</a:t>
+            </a:r>
+            <a:r>
+              <a:rPr kumimoji="1" lang="ja-JP" altLang="en-US" b="1" dirty="0">
+                <a:solidFill>
+                  <a:srgbClr val="0876BA"/>
+                </a:solidFill>
+                <a:latin typeface="游ゴシック" panose="020B0400000000000000" pitchFamily="50" charset="-128"/>
+                <a:ea typeface="游ゴシック" panose="020B0400000000000000" pitchFamily="50" charset="-128"/>
+              </a:rPr>
+              <a:t>暖色同士</a:t>
+            </a:r>
+            <a:r>
+              <a:rPr kumimoji="1" lang="ja-JP" altLang="en-US" dirty="0">
+                <a:solidFill>
+                  <a:srgbClr val="202028"/>
+                </a:solidFill>
+                <a:latin typeface="游ゴシック Medium" panose="020B0500000000000000" pitchFamily="50" charset="-128"/>
+                <a:ea typeface="游ゴシック Medium" panose="020B0500000000000000" pitchFamily="50" charset="-128"/>
+              </a:rPr>
+              <a:t>の組み合わせを避ける</a:t>
+            </a:r>
+            <a:br>
+              <a:rPr kumimoji="1" lang="en-US" altLang="ja-JP" dirty="0">
+                <a:solidFill>
+                  <a:srgbClr val="202028"/>
+                </a:solidFill>
+                <a:latin typeface="游ゴシック Medium" panose="020B0500000000000000" pitchFamily="50" charset="-128"/>
+                <a:ea typeface="游ゴシック Medium" panose="020B0500000000000000" pitchFamily="50" charset="-128"/>
+              </a:rPr>
+            </a:br>
+            <a:r>
+              <a:rPr kumimoji="1" lang="en-US" altLang="ja-JP" dirty="0">
+                <a:solidFill>
+                  <a:srgbClr val="202028"/>
+                </a:solidFill>
+                <a:latin typeface="游ゴシック Medium" panose="020B0500000000000000" pitchFamily="50" charset="-128"/>
+                <a:ea typeface="游ゴシック Medium" panose="020B0500000000000000" pitchFamily="50" charset="-128"/>
+              </a:rPr>
+              <a:t> + </a:t>
+            </a:r>
+            <a:r>
+              <a:rPr kumimoji="1" lang="ja-JP" altLang="en-US" b="1" dirty="0">
+                <a:solidFill>
+                  <a:srgbClr val="0876BA"/>
+                </a:solidFill>
+                <a:latin typeface="游ゴシック" panose="020B0400000000000000" pitchFamily="50" charset="-128"/>
+                <a:ea typeface="游ゴシック" panose="020B0400000000000000" pitchFamily="50" charset="-128"/>
+              </a:rPr>
+              <a:t>明度の近い配色</a:t>
+            </a:r>
+            <a:r>
+              <a:rPr kumimoji="1" lang="ja-JP" altLang="en-US" dirty="0">
+                <a:solidFill>
+                  <a:srgbClr val="202028"/>
+                </a:solidFill>
+                <a:latin typeface="游ゴシック Medium" panose="020B0500000000000000" pitchFamily="50" charset="-128"/>
+                <a:ea typeface="游ゴシック Medium" panose="020B0500000000000000" pitchFamily="50" charset="-128"/>
+              </a:rPr>
+              <a:t>を避け、コントラストをつける</a:t>
+            </a:r>
+            <a:br>
+              <a:rPr kumimoji="1" lang="en-US" altLang="ja-JP" dirty="0">
+                <a:solidFill>
+                  <a:srgbClr val="202028"/>
+                </a:solidFill>
+                <a:latin typeface="游ゴシック Medium" panose="020B0500000000000000" pitchFamily="50" charset="-128"/>
+                <a:ea typeface="游ゴシック Medium" panose="020B0500000000000000" pitchFamily="50" charset="-128"/>
+              </a:rPr>
+            </a:br>
+            <a:br>
+              <a:rPr kumimoji="1" lang="en-US" altLang="ja-JP" dirty="0">
+                <a:solidFill>
+                  <a:srgbClr val="202028"/>
+                </a:solidFill>
+                <a:latin typeface="游ゴシック Medium" panose="020B0500000000000000" pitchFamily="50" charset="-128"/>
+                <a:ea typeface="游ゴシック Medium" panose="020B0500000000000000" pitchFamily="50" charset="-128"/>
+              </a:rPr>
+            </a:br>
+            <a:r>
+              <a:rPr kumimoji="1" lang="ja-JP" altLang="en-US" b="1" dirty="0">
+                <a:solidFill>
+                  <a:srgbClr val="20567E"/>
                 </a:solidFill>
                 <a:latin typeface="+mn-ea"/>
               </a:rPr>
@@ -10030,74 +10199,6 @@
               <a:t>デザイン」を目指していく</a:t>
             </a:r>
             <a:endParaRPr kumimoji="1" lang="en-US" altLang="ja-JP" dirty="0">
-              <a:latin typeface="游ゴシック Medium" panose="020B0500000000000000" pitchFamily="50" charset="-128"/>
-              <a:ea typeface="游ゴシック Medium" panose="020B0500000000000000" pitchFamily="50" charset="-128"/>
-            </a:endParaRPr>
-          </a:p>
-        </p:txBody>
-      </p:sp>
-      <p:sp>
-        <p:nvSpPr>
-          <p:cNvPr id="4" name="テキスト ボックス 3">
-            <a:extLst>
-              <a:ext uri="{FF2B5EF4-FFF2-40B4-BE49-F238E27FC236}">
-                <a16:creationId xmlns:a16="http://schemas.microsoft.com/office/drawing/2014/main" id="{B78EF072-0FFC-9C16-DD1F-1704C0AE4BC6}"/>
-              </a:ext>
-            </a:extLst>
-          </p:cNvPr>
-          <p:cNvSpPr txBox="1"/>
-          <p:nvPr/>
-        </p:nvSpPr>
-        <p:spPr>
-          <a:xfrm>
-            <a:off x="1083126" y="1243682"/>
-            <a:ext cx="10221368" cy="461665"/>
-          </a:xfrm>
-          <a:prstGeom prst="rect">
-            <a:avLst/>
-          </a:prstGeom>
-          <a:noFill/>
-        </p:spPr>
-        <p:txBody>
-          <a:bodyPr wrap="square">
-            <a:spAutoFit/>
-          </a:bodyPr>
-          <a:lstStyle/>
-          <a:p>
-            <a:r>
-              <a:rPr kumimoji="1" lang="ja-JP" altLang="en-US" sz="2400" dirty="0">
-                <a:solidFill>
-                  <a:srgbClr val="202028"/>
-                </a:solidFill>
-                <a:latin typeface="游ゴシック Medium" panose="020B0500000000000000" pitchFamily="50" charset="-128"/>
-                <a:ea typeface="游ゴシック Medium" panose="020B0500000000000000" pitchFamily="50" charset="-128"/>
-              </a:rPr>
-              <a:t>色覚障害者でも使いやすい</a:t>
-            </a:r>
-            <a:r>
-              <a:rPr kumimoji="1" lang="en-US" altLang="ja-JP" sz="2400" dirty="0">
-                <a:solidFill>
-                  <a:srgbClr val="202028"/>
-                </a:solidFill>
-                <a:latin typeface="游ゴシック Medium" panose="020B0500000000000000" pitchFamily="50" charset="-128"/>
-                <a:ea typeface="游ゴシック Medium" panose="020B0500000000000000" pitchFamily="50" charset="-128"/>
-              </a:rPr>
-              <a:t>Web</a:t>
-            </a:r>
-            <a:r>
-              <a:rPr kumimoji="1" lang="ja-JP" altLang="en-US" sz="2400" dirty="0">
-                <a:solidFill>
-                  <a:srgbClr val="202028"/>
-                </a:solidFill>
-                <a:latin typeface="游ゴシック Medium" panose="020B0500000000000000" pitchFamily="50" charset="-128"/>
-                <a:ea typeface="游ゴシック Medium" panose="020B0500000000000000" pitchFamily="50" charset="-128"/>
-              </a:rPr>
-              <a:t>サイトとは、</a:t>
-            </a:r>
-            <a:endParaRPr kumimoji="1" lang="en-US" altLang="ja-JP" sz="2400" dirty="0">
-              <a:solidFill>
-                <a:srgbClr val="202028"/>
-              </a:solidFill>
               <a:latin typeface="游ゴシック Medium" panose="020B0500000000000000" pitchFamily="50" charset="-128"/>
               <a:ea typeface="游ゴシック Medium" panose="020B0500000000000000" pitchFamily="50" charset="-128"/>
             </a:endParaRPr>
@@ -10108,860 +10209,6 @@
     <p:extLst>
       <p:ext uri="{BB962C8B-B14F-4D97-AF65-F5344CB8AC3E}">
         <p14:creationId xmlns:p14="http://schemas.microsoft.com/office/powerpoint/2010/main" val="1048020242"/>
-      </p:ext>
-    </p:extLst>
-  </p:cSld>
-  <p:clrMapOvr>
-    <a:masterClrMapping/>
-  </p:clrMapOvr>
-  <mc:AlternateContent xmlns:mc="http://schemas.openxmlformats.org/markup-compatibility/2006" xmlns:p159="http://schemas.microsoft.com/office/powerpoint/2015/09/main">
-    <mc:Choice Requires="p159">
-      <p:transition xmlns:p14="http://schemas.microsoft.com/office/powerpoint/2010/main" spd="slow" p14:dur="1500">
-        <p159:morph option="byObject"/>
-      </p:transition>
-    </mc:Choice>
-    <mc:Fallback xmlns="">
-      <p:transition spd="slow">
-        <p:fade/>
-      </p:transition>
-    </mc:Fallback>
-  </mc:AlternateContent>
-</p:sld>
-</file>
-
-<file path=ppt/slides/slide18.xml><?xml version="1.0" encoding="utf-8"?>
-<p:sld xmlns:a="http://schemas.openxmlformats.org/drawingml/2006/main" xmlns:r="http://schemas.openxmlformats.org/officeDocument/2006/relationships" xmlns:p="http://schemas.openxmlformats.org/presentationml/2006/main">
-  <p:cSld>
-    <p:spTree>
-      <p:nvGrpSpPr>
-        <p:cNvPr id="1" name=""/>
-        <p:cNvGrpSpPr/>
-        <p:nvPr/>
-      </p:nvGrpSpPr>
-      <p:grpSpPr>
-        <a:xfrm>
-          <a:off x="0" y="0"/>
-          <a:ext cx="0" cy="0"/>
-          <a:chOff x="0" y="0"/>
-          <a:chExt cx="0" cy="0"/>
-        </a:xfrm>
-      </p:grpSpPr>
-      <p:sp>
-        <p:nvSpPr>
-          <p:cNvPr id="6" name="フリーフォーム: 図形 5">
-            <a:extLst>
-              <a:ext uri="{FF2B5EF4-FFF2-40B4-BE49-F238E27FC236}">
-                <a16:creationId xmlns:a16="http://schemas.microsoft.com/office/drawing/2014/main" id="{BF17AC2D-3BDE-05A6-DE21-D0D00287AAA5}"/>
-              </a:ext>
-            </a:extLst>
-          </p:cNvPr>
-          <p:cNvSpPr/>
-          <p:nvPr/>
-        </p:nvSpPr>
-        <p:spPr>
-          <a:xfrm rot="19800000">
-            <a:off x="2480821" y="1729819"/>
-            <a:ext cx="1137496" cy="985101"/>
-          </a:xfrm>
-          <a:custGeom>
-            <a:avLst/>
-            <a:gdLst>
-              <a:gd name="connsiteX0" fmla="*/ 284374 w 1137496"/>
-              <a:gd name="connsiteY0" fmla="*/ 985101 h 985101"/>
-              <a:gd name="connsiteX1" fmla="*/ 0 w 1137496"/>
-              <a:gd name="connsiteY1" fmla="*/ 492550 h 985101"/>
-              <a:gd name="connsiteX2" fmla="*/ 284373 w 1137496"/>
-              <a:gd name="connsiteY2" fmla="*/ 0 h 985101"/>
-              <a:gd name="connsiteX3" fmla="*/ 853123 w 1137496"/>
-              <a:gd name="connsiteY3" fmla="*/ 0 h 985101"/>
-              <a:gd name="connsiteX4" fmla="*/ 1137496 w 1137496"/>
-              <a:gd name="connsiteY4" fmla="*/ 492550 h 985101"/>
-              <a:gd name="connsiteX5" fmla="*/ 853122 w 1137496"/>
-              <a:gd name="connsiteY5" fmla="*/ 985101 h 985101"/>
-            </a:gdLst>
-            <a:ahLst/>
-            <a:cxnLst>
-              <a:cxn ang="0">
-                <a:pos x="connsiteX0" y="connsiteY0"/>
-              </a:cxn>
-              <a:cxn ang="0">
-                <a:pos x="connsiteX1" y="connsiteY1"/>
-              </a:cxn>
-              <a:cxn ang="0">
-                <a:pos x="connsiteX2" y="connsiteY2"/>
-              </a:cxn>
-              <a:cxn ang="0">
-                <a:pos x="connsiteX3" y="connsiteY3"/>
-              </a:cxn>
-              <a:cxn ang="0">
-                <a:pos x="connsiteX4" y="connsiteY4"/>
-              </a:cxn>
-              <a:cxn ang="0">
-                <a:pos x="connsiteX5" y="connsiteY5"/>
-              </a:cxn>
-            </a:cxnLst>
-            <a:rect l="l" t="t" r="r" b="b"/>
-            <a:pathLst>
-              <a:path w="1137496" h="985101">
-                <a:moveTo>
-                  <a:pt x="284374" y="985101"/>
-                </a:moveTo>
-                <a:lnTo>
-                  <a:pt x="0" y="492550"/>
-                </a:lnTo>
-                <a:lnTo>
-                  <a:pt x="284373" y="0"/>
-                </a:lnTo>
-                <a:lnTo>
-                  <a:pt x="853123" y="0"/>
-                </a:lnTo>
-                <a:lnTo>
-                  <a:pt x="1137496" y="492550"/>
-                </a:lnTo>
-                <a:lnTo>
-                  <a:pt x="853122" y="985101"/>
-                </a:lnTo>
-                <a:close/>
-              </a:path>
-            </a:pathLst>
-          </a:custGeom>
-          <a:solidFill>
-            <a:srgbClr val="0876BA"/>
-          </a:solidFill>
-          <a:ln>
-            <a:noFill/>
-          </a:ln>
-        </p:spPr>
-        <p:style>
-          <a:lnRef idx="2">
-            <a:schemeClr val="accent1">
-              <a:shade val="15000"/>
-            </a:schemeClr>
-          </a:lnRef>
-          <a:fillRef idx="1">
-            <a:schemeClr val="accent1"/>
-          </a:fillRef>
-          <a:effectRef idx="0">
-            <a:schemeClr val="accent1"/>
-          </a:effectRef>
-          <a:fontRef idx="minor">
-            <a:schemeClr val="lt1"/>
-          </a:fontRef>
-        </p:style>
-        <p:txBody>
-          <a:bodyPr wrap="square" rtlCol="0" anchor="ctr">
-            <a:noAutofit/>
-          </a:bodyPr>
-          <a:lstStyle/>
-          <a:p>
-            <a:pPr algn="ctr"/>
-            <a:endParaRPr kumimoji="1" lang="ja-JP" altLang="en-US">
-              <a:solidFill>
-                <a:srgbClr val="0876BA"/>
-              </a:solidFill>
-            </a:endParaRPr>
-          </a:p>
-        </p:txBody>
-      </p:sp>
-      <p:grpSp>
-        <p:nvGrpSpPr>
-          <p:cNvPr id="13" name="グループ化 12">
-            <a:extLst>
-              <a:ext uri="{FF2B5EF4-FFF2-40B4-BE49-F238E27FC236}">
-                <a16:creationId xmlns:a16="http://schemas.microsoft.com/office/drawing/2014/main" id="{DB0AB4C0-7D50-D14B-4D64-DE9CD8498A6F}"/>
-              </a:ext>
-            </a:extLst>
-          </p:cNvPr>
-          <p:cNvGrpSpPr/>
-          <p:nvPr/>
-        </p:nvGrpSpPr>
-        <p:grpSpPr>
-          <a:xfrm>
-            <a:off x="4929122" y="2672226"/>
-            <a:ext cx="2116557" cy="2042257"/>
-            <a:chOff x="4929122" y="2672226"/>
-            <a:chExt cx="2116557" cy="2042257"/>
-          </a:xfrm>
-        </p:grpSpPr>
-        <p:sp>
-          <p:nvSpPr>
-            <p:cNvPr id="9" name="フリーフォーム: 図形 8">
-              <a:extLst>
-                <a:ext uri="{FF2B5EF4-FFF2-40B4-BE49-F238E27FC236}">
-                  <a16:creationId xmlns:a16="http://schemas.microsoft.com/office/drawing/2014/main" id="{50F530E2-3C09-EACC-3F24-BA61909B40BC}"/>
-                </a:ext>
-              </a:extLst>
-            </p:cNvPr>
-            <p:cNvSpPr/>
-            <p:nvPr/>
-          </p:nvSpPr>
-          <p:spPr>
-            <a:xfrm rot="19800000">
-              <a:off x="5418653" y="2672226"/>
-              <a:ext cx="1137496" cy="985101"/>
-            </a:xfrm>
-            <a:custGeom>
-              <a:avLst/>
-              <a:gdLst>
-                <a:gd name="connsiteX0" fmla="*/ 284374 w 1137496"/>
-                <a:gd name="connsiteY0" fmla="*/ 985101 h 985101"/>
-                <a:gd name="connsiteX1" fmla="*/ 0 w 1137496"/>
-                <a:gd name="connsiteY1" fmla="*/ 492550 h 985101"/>
-                <a:gd name="connsiteX2" fmla="*/ 284373 w 1137496"/>
-                <a:gd name="connsiteY2" fmla="*/ 0 h 985101"/>
-                <a:gd name="connsiteX3" fmla="*/ 853123 w 1137496"/>
-                <a:gd name="connsiteY3" fmla="*/ 0 h 985101"/>
-                <a:gd name="connsiteX4" fmla="*/ 1137496 w 1137496"/>
-                <a:gd name="connsiteY4" fmla="*/ 492550 h 985101"/>
-                <a:gd name="connsiteX5" fmla="*/ 853122 w 1137496"/>
-                <a:gd name="connsiteY5" fmla="*/ 985101 h 985101"/>
-              </a:gdLst>
-              <a:ahLst/>
-              <a:cxnLst>
-                <a:cxn ang="0">
-                  <a:pos x="connsiteX0" y="connsiteY0"/>
-                </a:cxn>
-                <a:cxn ang="0">
-                  <a:pos x="connsiteX1" y="connsiteY1"/>
-                </a:cxn>
-                <a:cxn ang="0">
-                  <a:pos x="connsiteX2" y="connsiteY2"/>
-                </a:cxn>
-                <a:cxn ang="0">
-                  <a:pos x="connsiteX3" y="connsiteY3"/>
-                </a:cxn>
-                <a:cxn ang="0">
-                  <a:pos x="connsiteX4" y="connsiteY4"/>
-                </a:cxn>
-                <a:cxn ang="0">
-                  <a:pos x="connsiteX5" y="connsiteY5"/>
-                </a:cxn>
-              </a:cxnLst>
-              <a:rect l="l" t="t" r="r" b="b"/>
-              <a:pathLst>
-                <a:path w="1137496" h="985101">
-                  <a:moveTo>
-                    <a:pt x="284374" y="985101"/>
-                  </a:moveTo>
-                  <a:lnTo>
-                    <a:pt x="0" y="492550"/>
-                  </a:lnTo>
-                  <a:lnTo>
-                    <a:pt x="284373" y="0"/>
-                  </a:lnTo>
-                  <a:lnTo>
-                    <a:pt x="853123" y="0"/>
-                  </a:lnTo>
-                  <a:lnTo>
-                    <a:pt x="1137496" y="492550"/>
-                  </a:lnTo>
-                  <a:lnTo>
-                    <a:pt x="853122" y="985101"/>
-                  </a:lnTo>
-                  <a:close/>
-                </a:path>
-              </a:pathLst>
-            </a:custGeom>
-            <a:solidFill>
-              <a:srgbClr val="0876BA"/>
-            </a:solidFill>
-            <a:ln>
-              <a:noFill/>
-            </a:ln>
-          </p:spPr>
-          <p:style>
-            <a:lnRef idx="2">
-              <a:schemeClr val="accent1">
-                <a:shade val="15000"/>
-              </a:schemeClr>
-            </a:lnRef>
-            <a:fillRef idx="1">
-              <a:schemeClr val="accent1"/>
-            </a:fillRef>
-            <a:effectRef idx="0">
-              <a:schemeClr val="accent1"/>
-            </a:effectRef>
-            <a:fontRef idx="minor">
-              <a:schemeClr val="lt1"/>
-            </a:fontRef>
-          </p:style>
-          <p:txBody>
-            <a:bodyPr wrap="square" rtlCol="0" anchor="ctr">
-              <a:noAutofit/>
-            </a:bodyPr>
-            <a:lstStyle/>
-            <a:p>
-              <a:pPr algn="ctr"/>
-              <a:endParaRPr kumimoji="1" lang="ja-JP" altLang="en-US">
-                <a:solidFill>
-                  <a:srgbClr val="0876BA"/>
-                </a:solidFill>
-              </a:endParaRPr>
-            </a:p>
-          </p:txBody>
-        </p:sp>
-        <p:grpSp>
-          <p:nvGrpSpPr>
-            <p:cNvPr id="12" name="グループ化 11">
-              <a:extLst>
-                <a:ext uri="{FF2B5EF4-FFF2-40B4-BE49-F238E27FC236}">
-                  <a16:creationId xmlns:a16="http://schemas.microsoft.com/office/drawing/2014/main" id="{648C8FBC-47EB-32DC-804D-E69ADDA0AFC0}"/>
-                </a:ext>
-              </a:extLst>
-            </p:cNvPr>
-            <p:cNvGrpSpPr/>
-            <p:nvPr/>
-          </p:nvGrpSpPr>
-          <p:grpSpPr>
-            <a:xfrm rot="16200000">
-              <a:off x="5418653" y="3087456"/>
-              <a:ext cx="1137496" cy="2116557"/>
-              <a:chOff x="5079287" y="2809365"/>
-              <a:chExt cx="1137496" cy="2116557"/>
-            </a:xfrm>
-          </p:grpSpPr>
-          <p:sp>
-            <p:nvSpPr>
-              <p:cNvPr id="7" name="フリーフォーム: 図形 6">
-                <a:extLst>
-                  <a:ext uri="{FF2B5EF4-FFF2-40B4-BE49-F238E27FC236}">
-                    <a16:creationId xmlns:a16="http://schemas.microsoft.com/office/drawing/2014/main" id="{DA1A0143-C504-4DA2-1319-FAA3BF731125}"/>
-                  </a:ext>
-                </a:extLst>
-              </p:cNvPr>
-              <p:cNvSpPr/>
-              <p:nvPr/>
-            </p:nvSpPr>
-            <p:spPr>
-              <a:xfrm>
-                <a:off x="5079287" y="2809365"/>
-                <a:ext cx="1137496" cy="985101"/>
-              </a:xfrm>
-              <a:custGeom>
-                <a:avLst/>
-                <a:gdLst>
-                  <a:gd name="connsiteX0" fmla="*/ 284374 w 1137496"/>
-                  <a:gd name="connsiteY0" fmla="*/ 985101 h 985101"/>
-                  <a:gd name="connsiteX1" fmla="*/ 0 w 1137496"/>
-                  <a:gd name="connsiteY1" fmla="*/ 492550 h 985101"/>
-                  <a:gd name="connsiteX2" fmla="*/ 284373 w 1137496"/>
-                  <a:gd name="connsiteY2" fmla="*/ 0 h 985101"/>
-                  <a:gd name="connsiteX3" fmla="*/ 853123 w 1137496"/>
-                  <a:gd name="connsiteY3" fmla="*/ 0 h 985101"/>
-                  <a:gd name="connsiteX4" fmla="*/ 1137496 w 1137496"/>
-                  <a:gd name="connsiteY4" fmla="*/ 492550 h 985101"/>
-                  <a:gd name="connsiteX5" fmla="*/ 853122 w 1137496"/>
-                  <a:gd name="connsiteY5" fmla="*/ 985101 h 985101"/>
-                </a:gdLst>
-                <a:ahLst/>
-                <a:cxnLst>
-                  <a:cxn ang="0">
-                    <a:pos x="connsiteX0" y="connsiteY0"/>
-                  </a:cxn>
-                  <a:cxn ang="0">
-                    <a:pos x="connsiteX1" y="connsiteY1"/>
-                  </a:cxn>
-                  <a:cxn ang="0">
-                    <a:pos x="connsiteX2" y="connsiteY2"/>
-                  </a:cxn>
-                  <a:cxn ang="0">
-                    <a:pos x="connsiteX3" y="connsiteY3"/>
-                  </a:cxn>
-                  <a:cxn ang="0">
-                    <a:pos x="connsiteX4" y="connsiteY4"/>
-                  </a:cxn>
-                  <a:cxn ang="0">
-                    <a:pos x="connsiteX5" y="connsiteY5"/>
-                  </a:cxn>
-                </a:cxnLst>
-                <a:rect l="l" t="t" r="r" b="b"/>
-                <a:pathLst>
-                  <a:path w="1137496" h="985101">
-                    <a:moveTo>
-                      <a:pt x="284374" y="985101"/>
-                    </a:moveTo>
-                    <a:lnTo>
-                      <a:pt x="0" y="492550"/>
-                    </a:lnTo>
-                    <a:lnTo>
-                      <a:pt x="284373" y="0"/>
-                    </a:lnTo>
-                    <a:lnTo>
-                      <a:pt x="853123" y="0"/>
-                    </a:lnTo>
-                    <a:lnTo>
-                      <a:pt x="1137496" y="492550"/>
-                    </a:lnTo>
-                    <a:lnTo>
-                      <a:pt x="853122" y="985101"/>
-                    </a:lnTo>
-                    <a:close/>
-                  </a:path>
-                </a:pathLst>
-              </a:custGeom>
-              <a:solidFill>
-                <a:srgbClr val="0876BA"/>
-              </a:solidFill>
-              <a:ln>
-                <a:noFill/>
-              </a:ln>
-            </p:spPr>
-            <p:style>
-              <a:lnRef idx="2">
-                <a:schemeClr val="accent1">
-                  <a:shade val="15000"/>
-                </a:schemeClr>
-              </a:lnRef>
-              <a:fillRef idx="1">
-                <a:schemeClr val="accent1"/>
-              </a:fillRef>
-              <a:effectRef idx="0">
-                <a:schemeClr val="accent1"/>
-              </a:effectRef>
-              <a:fontRef idx="minor">
-                <a:schemeClr val="lt1"/>
-              </a:fontRef>
-            </p:style>
-            <p:txBody>
-              <a:bodyPr wrap="square" rtlCol="0" anchor="ctr">
-                <a:noAutofit/>
-              </a:bodyPr>
-              <a:lstStyle/>
-              <a:p>
-                <a:pPr algn="ctr"/>
-                <a:endParaRPr kumimoji="1" lang="ja-JP" altLang="en-US">
-                  <a:solidFill>
-                    <a:srgbClr val="0876BA"/>
-                  </a:solidFill>
-                </a:endParaRPr>
-              </a:p>
-            </p:txBody>
-          </p:sp>
-          <p:sp>
-            <p:nvSpPr>
-              <p:cNvPr id="8" name="フリーフォーム: 図形 7">
-                <a:extLst>
-                  <a:ext uri="{FF2B5EF4-FFF2-40B4-BE49-F238E27FC236}">
-                    <a16:creationId xmlns:a16="http://schemas.microsoft.com/office/drawing/2014/main" id="{782C0F6B-A46F-2841-94BE-61FA1229296E}"/>
-                  </a:ext>
-                </a:extLst>
-              </p:cNvPr>
-              <p:cNvSpPr/>
-              <p:nvPr/>
-            </p:nvSpPr>
-            <p:spPr>
-              <a:xfrm>
-                <a:off x="5079287" y="3940821"/>
-                <a:ext cx="1137496" cy="985101"/>
-              </a:xfrm>
-              <a:custGeom>
-                <a:avLst/>
-                <a:gdLst>
-                  <a:gd name="connsiteX0" fmla="*/ 284374 w 1137496"/>
-                  <a:gd name="connsiteY0" fmla="*/ 985101 h 985101"/>
-                  <a:gd name="connsiteX1" fmla="*/ 0 w 1137496"/>
-                  <a:gd name="connsiteY1" fmla="*/ 492550 h 985101"/>
-                  <a:gd name="connsiteX2" fmla="*/ 284373 w 1137496"/>
-                  <a:gd name="connsiteY2" fmla="*/ 0 h 985101"/>
-                  <a:gd name="connsiteX3" fmla="*/ 853123 w 1137496"/>
-                  <a:gd name="connsiteY3" fmla="*/ 0 h 985101"/>
-                  <a:gd name="connsiteX4" fmla="*/ 1137496 w 1137496"/>
-                  <a:gd name="connsiteY4" fmla="*/ 492550 h 985101"/>
-                  <a:gd name="connsiteX5" fmla="*/ 853122 w 1137496"/>
-                  <a:gd name="connsiteY5" fmla="*/ 985101 h 985101"/>
-                </a:gdLst>
-                <a:ahLst/>
-                <a:cxnLst>
-                  <a:cxn ang="0">
-                    <a:pos x="connsiteX0" y="connsiteY0"/>
-                  </a:cxn>
-                  <a:cxn ang="0">
-                    <a:pos x="connsiteX1" y="connsiteY1"/>
-                  </a:cxn>
-                  <a:cxn ang="0">
-                    <a:pos x="connsiteX2" y="connsiteY2"/>
-                  </a:cxn>
-                  <a:cxn ang="0">
-                    <a:pos x="connsiteX3" y="connsiteY3"/>
-                  </a:cxn>
-                  <a:cxn ang="0">
-                    <a:pos x="connsiteX4" y="connsiteY4"/>
-                  </a:cxn>
-                  <a:cxn ang="0">
-                    <a:pos x="connsiteX5" y="connsiteY5"/>
-                  </a:cxn>
-                </a:cxnLst>
-                <a:rect l="l" t="t" r="r" b="b"/>
-                <a:pathLst>
-                  <a:path w="1137496" h="985101">
-                    <a:moveTo>
-                      <a:pt x="284374" y="985101"/>
-                    </a:moveTo>
-                    <a:lnTo>
-                      <a:pt x="0" y="492550"/>
-                    </a:lnTo>
-                    <a:lnTo>
-                      <a:pt x="284373" y="0"/>
-                    </a:lnTo>
-                    <a:lnTo>
-                      <a:pt x="853123" y="0"/>
-                    </a:lnTo>
-                    <a:lnTo>
-                      <a:pt x="1137496" y="492550"/>
-                    </a:lnTo>
-                    <a:lnTo>
-                      <a:pt x="853122" y="985101"/>
-                    </a:lnTo>
-                    <a:close/>
-                  </a:path>
-                </a:pathLst>
-              </a:custGeom>
-              <a:solidFill>
-                <a:srgbClr val="0876BA"/>
-              </a:solidFill>
-              <a:ln>
-                <a:noFill/>
-              </a:ln>
-            </p:spPr>
-            <p:style>
-              <a:lnRef idx="2">
-                <a:schemeClr val="accent1">
-                  <a:shade val="15000"/>
-                </a:schemeClr>
-              </a:lnRef>
-              <a:fillRef idx="1">
-                <a:schemeClr val="accent1"/>
-              </a:fillRef>
-              <a:effectRef idx="0">
-                <a:schemeClr val="accent1"/>
-              </a:effectRef>
-              <a:fontRef idx="minor">
-                <a:schemeClr val="lt1"/>
-              </a:fontRef>
-            </p:style>
-            <p:txBody>
-              <a:bodyPr wrap="square" rtlCol="0" anchor="ctr">
-                <a:noAutofit/>
-              </a:bodyPr>
-              <a:lstStyle/>
-              <a:p>
-                <a:pPr algn="ctr"/>
-                <a:endParaRPr kumimoji="1" lang="ja-JP" altLang="en-US" dirty="0">
-                  <a:solidFill>
-                    <a:srgbClr val="0876BA"/>
-                  </a:solidFill>
-                </a:endParaRPr>
-              </a:p>
-            </p:txBody>
-          </p:sp>
-        </p:grpSp>
-      </p:grpSp>
-      <p:sp>
-        <p:nvSpPr>
-          <p:cNvPr id="14" name="フリーフォーム: 図形 13">
-            <a:extLst>
-              <a:ext uri="{FF2B5EF4-FFF2-40B4-BE49-F238E27FC236}">
-                <a16:creationId xmlns:a16="http://schemas.microsoft.com/office/drawing/2014/main" id="{A279BCEB-7E42-9C82-0032-3B095B4AA6D6}"/>
-              </a:ext>
-            </a:extLst>
-          </p:cNvPr>
-          <p:cNvSpPr/>
-          <p:nvPr/>
-        </p:nvSpPr>
-        <p:spPr>
-          <a:xfrm rot="19800000">
-            <a:off x="-214749" y="408420"/>
-            <a:ext cx="498342" cy="431578"/>
-          </a:xfrm>
-          <a:custGeom>
-            <a:avLst/>
-            <a:gdLst>
-              <a:gd name="connsiteX0" fmla="*/ 284374 w 1137496"/>
-              <a:gd name="connsiteY0" fmla="*/ 985101 h 985101"/>
-              <a:gd name="connsiteX1" fmla="*/ 0 w 1137496"/>
-              <a:gd name="connsiteY1" fmla="*/ 492550 h 985101"/>
-              <a:gd name="connsiteX2" fmla="*/ 284373 w 1137496"/>
-              <a:gd name="connsiteY2" fmla="*/ 0 h 985101"/>
-              <a:gd name="connsiteX3" fmla="*/ 853123 w 1137496"/>
-              <a:gd name="connsiteY3" fmla="*/ 0 h 985101"/>
-              <a:gd name="connsiteX4" fmla="*/ 1137496 w 1137496"/>
-              <a:gd name="connsiteY4" fmla="*/ 492550 h 985101"/>
-              <a:gd name="connsiteX5" fmla="*/ 853122 w 1137496"/>
-              <a:gd name="connsiteY5" fmla="*/ 985101 h 985101"/>
-            </a:gdLst>
-            <a:ahLst/>
-            <a:cxnLst>
-              <a:cxn ang="0">
-                <a:pos x="connsiteX0" y="connsiteY0"/>
-              </a:cxn>
-              <a:cxn ang="0">
-                <a:pos x="connsiteX1" y="connsiteY1"/>
-              </a:cxn>
-              <a:cxn ang="0">
-                <a:pos x="connsiteX2" y="connsiteY2"/>
-              </a:cxn>
-              <a:cxn ang="0">
-                <a:pos x="connsiteX3" y="connsiteY3"/>
-              </a:cxn>
-              <a:cxn ang="0">
-                <a:pos x="connsiteX4" y="connsiteY4"/>
-              </a:cxn>
-              <a:cxn ang="0">
-                <a:pos x="connsiteX5" y="connsiteY5"/>
-              </a:cxn>
-            </a:cxnLst>
-            <a:rect l="l" t="t" r="r" b="b"/>
-            <a:pathLst>
-              <a:path w="1137496" h="985101">
-                <a:moveTo>
-                  <a:pt x="284374" y="985101"/>
-                </a:moveTo>
-                <a:lnTo>
-                  <a:pt x="0" y="492550"/>
-                </a:lnTo>
-                <a:lnTo>
-                  <a:pt x="284373" y="0"/>
-                </a:lnTo>
-                <a:lnTo>
-                  <a:pt x="853123" y="0"/>
-                </a:lnTo>
-                <a:lnTo>
-                  <a:pt x="1137496" y="492550"/>
-                </a:lnTo>
-                <a:lnTo>
-                  <a:pt x="853122" y="985101"/>
-                </a:lnTo>
-                <a:close/>
-              </a:path>
-            </a:pathLst>
-          </a:custGeom>
-          <a:solidFill>
-            <a:srgbClr val="0876BA"/>
-          </a:solidFill>
-          <a:ln>
-            <a:noFill/>
-          </a:ln>
-        </p:spPr>
-        <p:style>
-          <a:lnRef idx="2">
-            <a:schemeClr val="accent1">
-              <a:shade val="15000"/>
-            </a:schemeClr>
-          </a:lnRef>
-          <a:fillRef idx="1">
-            <a:schemeClr val="accent1"/>
-          </a:fillRef>
-          <a:effectRef idx="0">
-            <a:schemeClr val="accent1"/>
-          </a:effectRef>
-          <a:fontRef idx="minor">
-            <a:schemeClr val="lt1"/>
-          </a:fontRef>
-        </p:style>
-        <p:txBody>
-          <a:bodyPr wrap="square" rtlCol="0" anchor="ctr">
-            <a:noAutofit/>
-          </a:bodyPr>
-          <a:lstStyle/>
-          <a:p>
-            <a:pPr algn="ctr"/>
-            <a:endParaRPr kumimoji="1" lang="ja-JP" altLang="en-US">
-              <a:solidFill>
-                <a:srgbClr val="0876BA"/>
-              </a:solidFill>
-            </a:endParaRPr>
-          </a:p>
-        </p:txBody>
-      </p:sp>
-      <p:pic>
-        <p:nvPicPr>
-          <p:cNvPr id="15" name="図 14">
-            <a:extLst>
-              <a:ext uri="{FF2B5EF4-FFF2-40B4-BE49-F238E27FC236}">
-                <a16:creationId xmlns:a16="http://schemas.microsoft.com/office/drawing/2014/main" id="{FF101A2A-47EA-FB34-32B0-EEBA560F8BE1}"/>
-              </a:ext>
-            </a:extLst>
-          </p:cNvPr>
-          <p:cNvPicPr>
-            <a:picLocks noChangeAspect="1"/>
-          </p:cNvPicPr>
-          <p:nvPr/>
-        </p:nvPicPr>
-        <p:blipFill>
-          <a:blip r:embed="rId2">
-            <a:extLst>
-              <a:ext uri="{28A0092B-C50C-407E-A947-70E740481C1C}">
-                <a14:useLocalDpi xmlns:a14="http://schemas.microsoft.com/office/drawing/2010/main" val="0"/>
-              </a:ext>
-            </a:extLst>
-          </a:blip>
-          <a:srcRect l="13161" r="20172"/>
-          <a:stretch/>
-        </p:blipFill>
-        <p:spPr>
-          <a:xfrm>
-            <a:off x="6096000" y="0"/>
-            <a:ext cx="6096000" cy="6858000"/>
-          </a:xfrm>
-          <a:prstGeom prst="rect">
-            <a:avLst/>
-          </a:prstGeom>
-        </p:spPr>
-      </p:pic>
-    </p:spTree>
-    <p:extLst>
-      <p:ext uri="{BB962C8B-B14F-4D97-AF65-F5344CB8AC3E}">
-        <p14:creationId xmlns:p14="http://schemas.microsoft.com/office/powerpoint/2010/main" val="4263432459"/>
-      </p:ext>
-    </p:extLst>
-  </p:cSld>
-  <p:clrMapOvr>
-    <a:masterClrMapping/>
-  </p:clrMapOvr>
-  <mc:AlternateContent xmlns:mc="http://schemas.openxmlformats.org/markup-compatibility/2006" xmlns:p159="http://schemas.microsoft.com/office/powerpoint/2015/09/main">
-    <mc:Choice Requires="p159">
-      <p:transition xmlns:p14="http://schemas.microsoft.com/office/powerpoint/2010/main" spd="slow" p14:dur="1500">
-        <p159:morph option="byObject"/>
-      </p:transition>
-    </mc:Choice>
-    <mc:Fallback xmlns="">
-      <p:transition spd="slow">
-        <p:fade/>
-      </p:transition>
-    </mc:Fallback>
-  </mc:AlternateContent>
-</p:sld>
-</file>
-
-<file path=ppt/slides/slide19.xml><?xml version="1.0" encoding="utf-8"?>
-<p:sld xmlns:a="http://schemas.openxmlformats.org/drawingml/2006/main" xmlns:r="http://schemas.openxmlformats.org/officeDocument/2006/relationships" xmlns:p="http://schemas.openxmlformats.org/presentationml/2006/main">
-  <p:cSld>
-    <p:spTree>
-      <p:nvGrpSpPr>
-        <p:cNvPr id="1" name="">
-          <a:extLst>
-            <a:ext uri="{FF2B5EF4-FFF2-40B4-BE49-F238E27FC236}">
-              <a16:creationId xmlns:a16="http://schemas.microsoft.com/office/drawing/2014/main" id="{FCE68B21-D059-8584-D6E8-2D17C12A3730}"/>
-            </a:ext>
-          </a:extLst>
-        </p:cNvPr>
-        <p:cNvGrpSpPr/>
-        <p:nvPr/>
-      </p:nvGrpSpPr>
-      <p:grpSpPr>
-        <a:xfrm>
-          <a:off x="0" y="0"/>
-          <a:ext cx="0" cy="0"/>
-          <a:chOff x="0" y="0"/>
-          <a:chExt cx="0" cy="0"/>
-        </a:xfrm>
-      </p:grpSpPr>
-      <p:sp>
-        <p:nvSpPr>
-          <p:cNvPr id="3" name="テキスト ボックス 2">
-            <a:extLst>
-              <a:ext uri="{FF2B5EF4-FFF2-40B4-BE49-F238E27FC236}">
-                <a16:creationId xmlns:a16="http://schemas.microsoft.com/office/drawing/2014/main" id="{76555EF0-8D0F-DE71-F297-9CB1008FF8D9}"/>
-              </a:ext>
-            </a:extLst>
-          </p:cNvPr>
-          <p:cNvSpPr txBox="1"/>
-          <p:nvPr/>
-        </p:nvSpPr>
-        <p:spPr>
-          <a:xfrm>
-            <a:off x="1102657" y="1299882"/>
-            <a:ext cx="5647767" cy="738664"/>
-          </a:xfrm>
-          <a:prstGeom prst="rect">
-            <a:avLst/>
-          </a:prstGeom>
-          <a:noFill/>
-        </p:spPr>
-        <p:txBody>
-          <a:bodyPr wrap="square" rtlCol="0">
-            <a:spAutoFit/>
-          </a:bodyPr>
-          <a:lstStyle/>
-          <a:p>
-            <a:r>
-              <a:rPr kumimoji="1" lang="ja-JP" altLang="en-US" sz="4200" b="1" dirty="0">
-                <a:solidFill>
-                  <a:srgbClr val="054759"/>
-                </a:solidFill>
-              </a:rPr>
-              <a:t>考察</a:t>
-            </a:r>
-            <a:endParaRPr kumimoji="1" lang="en-US" altLang="ja-JP" sz="4200" b="1" dirty="0">
-              <a:solidFill>
-                <a:srgbClr val="054759"/>
-              </a:solidFill>
-            </a:endParaRPr>
-          </a:p>
-        </p:txBody>
-      </p:sp>
-      <p:sp>
-        <p:nvSpPr>
-          <p:cNvPr id="4" name="テキスト ボックス 3">
-            <a:extLst>
-              <a:ext uri="{FF2B5EF4-FFF2-40B4-BE49-F238E27FC236}">
-                <a16:creationId xmlns:a16="http://schemas.microsoft.com/office/drawing/2014/main" id="{091316C4-B157-4F9D-67C2-18609F8BFB95}"/>
-              </a:ext>
-            </a:extLst>
-          </p:cNvPr>
-          <p:cNvSpPr txBox="1"/>
-          <p:nvPr/>
-        </p:nvSpPr>
-        <p:spPr>
-          <a:xfrm>
-            <a:off x="1102659" y="3200400"/>
-            <a:ext cx="7727576" cy="1200329"/>
-          </a:xfrm>
-          <a:prstGeom prst="rect">
-            <a:avLst/>
-          </a:prstGeom>
-          <a:noFill/>
-        </p:spPr>
-        <p:txBody>
-          <a:bodyPr wrap="square" rtlCol="0">
-            <a:spAutoFit/>
-          </a:bodyPr>
-          <a:lstStyle/>
-          <a:p>
-            <a:r>
-              <a:rPr kumimoji="1" lang="ja-JP" altLang="en-US" dirty="0"/>
-              <a:t>電子デバイスで</a:t>
-            </a:r>
-            <a:r>
-              <a:rPr kumimoji="1" lang="en-US" altLang="ja-JP" dirty="0"/>
-              <a:t>WEB</a:t>
-            </a:r>
-            <a:r>
-              <a:rPr kumimoji="1" lang="ja-JP" altLang="en-US" dirty="0"/>
-              <a:t>サイトを閲覧するとき</a:t>
-            </a:r>
-          </a:p>
-          <a:p>
-            <a:r>
-              <a:rPr kumimoji="1" lang="ja-JP" altLang="en-US" dirty="0"/>
-              <a:t>＝紙媒体での閲覧よりも◯倍設定した色そのままで表示される</a:t>
-            </a:r>
-          </a:p>
-          <a:p>
-            <a:endParaRPr kumimoji="1" lang="ja-JP" altLang="en-US" dirty="0"/>
-          </a:p>
-          <a:p>
-            <a:r>
-              <a:rPr kumimoji="1" lang="ja-JP" altLang="en-US" dirty="0"/>
-              <a:t>（紙媒体＝◯％、デジタルデバイス＝◯％）</a:t>
-            </a:r>
-          </a:p>
-        </p:txBody>
-      </p:sp>
-    </p:spTree>
-    <p:extLst>
-      <p:ext uri="{BB962C8B-B14F-4D97-AF65-F5344CB8AC3E}">
-        <p14:creationId xmlns:p14="http://schemas.microsoft.com/office/powerpoint/2010/main" val="3683757836"/>
       </p:ext>
     </p:extLst>
   </p:cSld>
@@ -17141,7 +16388,7 @@
         <p:spPr>
           <a:xfrm>
             <a:off x="773634" y="1283898"/>
-            <a:ext cx="4143553" cy="1714380"/>
+            <a:ext cx="4414383" cy="1714380"/>
           </a:xfrm>
           <a:prstGeom prst="rect">
             <a:avLst/>
@@ -17223,7 +16470,7 @@
                 </a:solidFill>
                 <a:latin typeface="+mn-ea"/>
               </a:rPr>
-              <a:t>寒色同士</a:t>
+              <a:t>寒色同士、同じ明度の色同士</a:t>
             </a:r>
             <a:r>
               <a:rPr lang="ja-JP" altLang="en-US" dirty="0">

--- a/そうたん.pptx
+++ b/そうたん.pptx
@@ -8845,9 +8845,8 @@
               </a:ext>
             </a:extLst>
           </a:blip>
-          <a:stretch>
-            <a:fillRect/>
-          </a:stretch>
+          <a:srcRect/>
+          <a:stretch/>
         </p:blipFill>
         <p:spPr>
           <a:xfrm>
@@ -8873,8 +8872,8 @@
         </p:nvSpPr>
         <p:spPr>
           <a:xfrm>
-            <a:off x="3998309" y="5512409"/>
-            <a:ext cx="4195379" cy="369332"/>
+            <a:off x="3336269" y="5512409"/>
+            <a:ext cx="5519460" cy="369332"/>
           </a:xfrm>
           <a:prstGeom prst="rect">
             <a:avLst/>
@@ -8896,7 +8895,7 @@
                 <a:latin typeface="游ゴシック Medium" panose="020B0500000000000000" pitchFamily="50" charset="-128"/>
                 <a:ea typeface="游ゴシック Medium" panose="020B0500000000000000" pitchFamily="50" charset="-128"/>
               </a:rPr>
-              <a:t>https://nearfactory.github.io/Soutan/</a:t>
+              <a:t>https://nearfactory.github.io/Soutan/index-2.html</a:t>
             </a:r>
             <a:endParaRPr kumimoji="1" lang="ja-JP" altLang="en-US" dirty="0">
               <a:solidFill>
